--- a/일지.pptx
+++ b/일지.pptx
@@ -11,6 +11,9 @@
     <p:sldId id="259" r:id="rId5"/>
     <p:sldId id="260" r:id="rId6"/>
     <p:sldId id="261" r:id="rId7"/>
+    <p:sldId id="264" r:id="rId8"/>
+    <p:sldId id="263" r:id="rId9"/>
+    <p:sldId id="262" r:id="rId10"/>
   </p:sldIdLst>
   <p:sldSz cx="12192000" cy="6858000"/>
   <p:notesSz cx="6858000" cy="9144000"/>
@@ -128,6 +131,13 @@
           <p14:sldIdLst>
             <p14:sldId id="260"/>
             <p14:sldId id="261"/>
+          </p14:sldIdLst>
+        </p14:section>
+        <p14:section name="21-04-02(출근전)" id="{C8AAB012-2DD9-4C6F-8EAF-A4D5CE62A1A6}">
+          <p14:sldIdLst>
+            <p14:sldId id="264"/>
+            <p14:sldId id="263"/>
+            <p14:sldId id="262"/>
           </p14:sldIdLst>
         </p14:section>
       </p14:sectionLst>
@@ -3577,6 +3587,701 @@
 </p:sld>
 </file>
 
+<file path=ppt/slides/slide7.xml><?xml version="1.0" encoding="utf-8"?>
+<p:sld xmlns:a="http://schemas.openxmlformats.org/drawingml/2006/main" xmlns:r="http://schemas.openxmlformats.org/officeDocument/2006/relationships" xmlns:p="http://schemas.openxmlformats.org/presentationml/2006/main">
+  <p:cSld>
+    <p:spTree>
+      <p:nvGrpSpPr>
+        <p:cNvPr id="1" name=""/>
+        <p:cNvGrpSpPr/>
+        <p:nvPr/>
+      </p:nvGrpSpPr>
+      <p:grpSpPr>
+        <a:xfrm>
+          <a:off x="0" y="0"/>
+          <a:ext cx="0" cy="0"/>
+          <a:chOff x="0" y="0"/>
+          <a:chExt cx="0" cy="0"/>
+        </a:xfrm>
+      </p:grpSpPr>
+      <p:pic>
+        <p:nvPicPr>
+          <p:cNvPr id="4" name="그림 3"/>
+          <p:cNvPicPr>
+            <a:picLocks noChangeAspect="1"/>
+          </p:cNvPicPr>
+          <p:nvPr/>
+        </p:nvPicPr>
+        <p:blipFill>
+          <a:blip r:embed="rId2"/>
+          <a:stretch>
+            <a:fillRect/>
+          </a:stretch>
+        </p:blipFill>
+        <p:spPr>
+          <a:xfrm>
+            <a:off x="0" y="0"/>
+            <a:ext cx="5878286" cy="4793834"/>
+          </a:xfrm>
+          <a:prstGeom prst="rect">
+            <a:avLst/>
+          </a:prstGeom>
+          <a:ln w="38100" cap="sq">
+            <a:solidFill>
+              <a:srgbClr val="000000"/>
+            </a:solidFill>
+            <a:prstDash val="solid"/>
+            <a:miter lim="800000"/>
+          </a:ln>
+          <a:effectLst>
+            <a:outerShdw blurRad="50800" dist="38100" dir="2700000" algn="tl" rotWithShape="0">
+              <a:srgbClr val="000000">
+                <a:alpha val="43000"/>
+              </a:srgbClr>
+            </a:outerShdw>
+          </a:effectLst>
+        </p:spPr>
+      </p:pic>
+      <p:pic>
+        <p:nvPicPr>
+          <p:cNvPr id="5" name="그림 4"/>
+          <p:cNvPicPr>
+            <a:picLocks noChangeAspect="1"/>
+          </p:cNvPicPr>
+          <p:nvPr/>
+        </p:nvPicPr>
+        <p:blipFill>
+          <a:blip r:embed="rId3"/>
+          <a:stretch>
+            <a:fillRect/>
+          </a:stretch>
+        </p:blipFill>
+        <p:spPr>
+          <a:xfrm>
+            <a:off x="6396786" y="0"/>
+            <a:ext cx="5795214" cy="4745038"/>
+          </a:xfrm>
+          <a:prstGeom prst="rect">
+            <a:avLst/>
+          </a:prstGeom>
+          <a:ln w="38100" cap="sq">
+            <a:solidFill>
+              <a:srgbClr val="000000"/>
+            </a:solidFill>
+            <a:prstDash val="solid"/>
+            <a:miter lim="800000"/>
+          </a:ln>
+          <a:effectLst>
+            <a:outerShdw blurRad="50800" dist="38100" dir="2700000" algn="tl" rotWithShape="0">
+              <a:srgbClr val="000000">
+                <a:alpha val="43000"/>
+              </a:srgbClr>
+            </a:outerShdw>
+          </a:effectLst>
+        </p:spPr>
+      </p:pic>
+      <p:sp>
+        <p:nvSpPr>
+          <p:cNvPr id="6" name="오른쪽 화살표 5"/>
+          <p:cNvSpPr/>
+          <p:nvPr/>
+        </p:nvSpPr>
+        <p:spPr>
+          <a:xfrm>
+            <a:off x="4949371" y="1770743"/>
+            <a:ext cx="2452915" cy="798286"/>
+          </a:xfrm>
+          <a:prstGeom prst="rightArrow">
+            <a:avLst/>
+          </a:prstGeom>
+        </p:spPr>
+        <p:style>
+          <a:lnRef idx="2">
+            <a:schemeClr val="accent1">
+              <a:shade val="50000"/>
+            </a:schemeClr>
+          </a:lnRef>
+          <a:fillRef idx="1">
+            <a:schemeClr val="accent1"/>
+          </a:fillRef>
+          <a:effectRef idx="0">
+            <a:schemeClr val="accent1"/>
+          </a:effectRef>
+          <a:fontRef idx="minor">
+            <a:schemeClr val="lt1"/>
+          </a:fontRef>
+        </p:style>
+        <p:txBody>
+          <a:bodyPr rtlCol="0" anchor="ctr"/>
+          <a:lstStyle/>
+          <a:p>
+            <a:pPr algn="ctr"/>
+            <a:endParaRPr lang="ko-KR" altLang="en-US"/>
+          </a:p>
+        </p:txBody>
+      </p:sp>
+      <p:sp>
+        <p:nvSpPr>
+          <p:cNvPr id="7" name="TextBox 6"/>
+          <p:cNvSpPr txBox="1"/>
+          <p:nvPr/>
+        </p:nvSpPr>
+        <p:spPr>
+          <a:xfrm>
+            <a:off x="406238" y="5564378"/>
+            <a:ext cx="5065810" cy="923330"/>
+          </a:xfrm>
+          <a:prstGeom prst="rect">
+            <a:avLst/>
+          </a:prstGeom>
+          <a:noFill/>
+        </p:spPr>
+        <p:txBody>
+          <a:bodyPr wrap="none" rtlCol="0">
+            <a:spAutoFit/>
+          </a:bodyPr>
+          <a:lstStyle/>
+          <a:p>
+            <a:r>
+              <a:rPr lang="ko-KR" altLang="en-US" dirty="0" smtClean="0"/>
+              <a:t>각 </a:t>
+            </a:r>
+            <a:r>
+              <a:rPr lang="en-US" altLang="ko-KR" dirty="0" smtClean="0"/>
+              <a:t>html</a:t>
+            </a:r>
+            <a:r>
+              <a:rPr lang="ko-KR" altLang="en-US" dirty="0" smtClean="0"/>
+              <a:t>파일에 </a:t>
+            </a:r>
+            <a:r>
+              <a:rPr lang="en-US" altLang="ko-KR" dirty="0" err="1" smtClean="0"/>
+              <a:t>css</a:t>
+            </a:r>
+            <a:r>
+              <a:rPr lang="ko-KR" altLang="en-US" dirty="0" smtClean="0"/>
+              <a:t>를 링크로 연결함</a:t>
+            </a:r>
+            <a:r>
+              <a:rPr lang="en-US" altLang="ko-KR" dirty="0" smtClean="0"/>
+              <a:t>.</a:t>
+            </a:r>
+          </a:p>
+          <a:p>
+            <a:r>
+              <a:rPr lang="ko-KR" altLang="en-US" dirty="0" smtClean="0"/>
+              <a:t>오류 발생 </a:t>
+            </a:r>
+            <a:r>
+              <a:rPr lang="en-US" altLang="ko-KR" dirty="0" smtClean="0"/>
+              <a:t>: </a:t>
+            </a:r>
+            <a:r>
+              <a:rPr lang="ko-KR" altLang="en-US" dirty="0" smtClean="0"/>
+              <a:t>상위 </a:t>
+            </a:r>
+            <a:r>
+              <a:rPr lang="en-US" altLang="ko-KR" dirty="0" smtClean="0"/>
+              <a:t>1,2,3 </a:t>
+            </a:r>
+            <a:r>
+              <a:rPr lang="ko-KR" altLang="en-US" dirty="0" smtClean="0"/>
+              <a:t>항목이 중앙 정렬이 안됨</a:t>
+            </a:r>
+            <a:endParaRPr lang="en-US" altLang="ko-KR" dirty="0" smtClean="0"/>
+          </a:p>
+          <a:p>
+            <a:r>
+              <a:rPr lang="ko-KR" altLang="en-US" dirty="0" smtClean="0"/>
+              <a:t>오류 해결 </a:t>
+            </a:r>
+            <a:r>
+              <a:rPr lang="en-US" altLang="ko-KR" dirty="0" smtClean="0"/>
+              <a:t>: Class</a:t>
+            </a:r>
+            <a:r>
+              <a:rPr lang="ko-KR" altLang="en-US" dirty="0" smtClean="0"/>
+              <a:t>지정을 다시 지정</a:t>
+            </a:r>
+            <a:endParaRPr lang="en-US" altLang="ko-KR" dirty="0"/>
+          </a:p>
+        </p:txBody>
+      </p:sp>
+      <p:pic>
+        <p:nvPicPr>
+          <p:cNvPr id="8" name="그림 7"/>
+          <p:cNvPicPr>
+            <a:picLocks noChangeAspect="1"/>
+          </p:cNvPicPr>
+          <p:nvPr/>
+        </p:nvPicPr>
+        <p:blipFill>
+          <a:blip r:embed="rId4"/>
+          <a:stretch>
+            <a:fillRect/>
+          </a:stretch>
+        </p:blipFill>
+        <p:spPr>
+          <a:xfrm>
+            <a:off x="3668485" y="2912110"/>
+            <a:ext cx="5014686" cy="2309187"/>
+          </a:xfrm>
+          <a:prstGeom prst="rect">
+            <a:avLst/>
+          </a:prstGeom>
+        </p:spPr>
+      </p:pic>
+      <p:sp>
+        <p:nvSpPr>
+          <p:cNvPr id="9" name="직사각형 8"/>
+          <p:cNvSpPr/>
+          <p:nvPr/>
+        </p:nvSpPr>
+        <p:spPr>
+          <a:xfrm>
+            <a:off x="4760686" y="3497943"/>
+            <a:ext cx="1306285" cy="568760"/>
+          </a:xfrm>
+          <a:prstGeom prst="rect">
+            <a:avLst/>
+          </a:prstGeom>
+          <a:noFill/>
+          <a:ln>
+            <a:solidFill>
+              <a:srgbClr val="FF0000"/>
+            </a:solidFill>
+          </a:ln>
+        </p:spPr>
+        <p:style>
+          <a:lnRef idx="2">
+            <a:schemeClr val="accent1">
+              <a:shade val="50000"/>
+            </a:schemeClr>
+          </a:lnRef>
+          <a:fillRef idx="1">
+            <a:schemeClr val="accent1"/>
+          </a:fillRef>
+          <a:effectRef idx="0">
+            <a:schemeClr val="accent1"/>
+          </a:effectRef>
+          <a:fontRef idx="minor">
+            <a:schemeClr val="lt1"/>
+          </a:fontRef>
+        </p:style>
+        <p:txBody>
+          <a:bodyPr rtlCol="0" anchor="ctr"/>
+          <a:lstStyle/>
+          <a:p>
+            <a:pPr algn="ctr"/>
+            <a:endParaRPr lang="ko-KR" altLang="en-US"/>
+          </a:p>
+        </p:txBody>
+      </p:sp>
+      <p:pic>
+        <p:nvPicPr>
+          <p:cNvPr id="10" name="그림 9"/>
+          <p:cNvPicPr>
+            <a:picLocks noChangeAspect="1"/>
+          </p:cNvPicPr>
+          <p:nvPr/>
+        </p:nvPicPr>
+        <p:blipFill>
+          <a:blip r:embed="rId5"/>
+          <a:stretch>
+            <a:fillRect/>
+          </a:stretch>
+        </p:blipFill>
+        <p:spPr>
+          <a:xfrm>
+            <a:off x="5255531" y="4129483"/>
+            <a:ext cx="6936469" cy="1543050"/>
+          </a:xfrm>
+          <a:prstGeom prst="rect">
+            <a:avLst/>
+          </a:prstGeom>
+        </p:spPr>
+      </p:pic>
+      <p:sp>
+        <p:nvSpPr>
+          <p:cNvPr id="11" name="직사각형 10"/>
+          <p:cNvSpPr/>
+          <p:nvPr/>
+        </p:nvSpPr>
+        <p:spPr>
+          <a:xfrm>
+            <a:off x="5476875" y="4602810"/>
+            <a:ext cx="1988457" cy="374533"/>
+          </a:xfrm>
+          <a:prstGeom prst="rect">
+            <a:avLst/>
+          </a:prstGeom>
+          <a:noFill/>
+          <a:ln>
+            <a:solidFill>
+              <a:srgbClr val="FF0000"/>
+            </a:solidFill>
+          </a:ln>
+        </p:spPr>
+        <p:style>
+          <a:lnRef idx="2">
+            <a:schemeClr val="accent1">
+              <a:shade val="50000"/>
+            </a:schemeClr>
+          </a:lnRef>
+          <a:fillRef idx="1">
+            <a:schemeClr val="accent1"/>
+          </a:fillRef>
+          <a:effectRef idx="0">
+            <a:schemeClr val="accent1"/>
+          </a:effectRef>
+          <a:fontRef idx="minor">
+            <a:schemeClr val="lt1"/>
+          </a:fontRef>
+        </p:style>
+        <p:txBody>
+          <a:bodyPr rtlCol="0" anchor="ctr"/>
+          <a:lstStyle/>
+          <a:p>
+            <a:pPr algn="ctr"/>
+            <a:endParaRPr lang="ko-KR" altLang="en-US"/>
+          </a:p>
+        </p:txBody>
+      </p:sp>
+    </p:spTree>
+    <p:extLst>
+      <p:ext uri="{BB962C8B-B14F-4D97-AF65-F5344CB8AC3E}">
+        <p14:creationId xmlns:p14="http://schemas.microsoft.com/office/powerpoint/2010/main" val="608902330"/>
+      </p:ext>
+    </p:extLst>
+  </p:cSld>
+  <p:clrMapOvr>
+    <a:masterClrMapping/>
+  </p:clrMapOvr>
+</p:sld>
+</file>
+
+<file path=ppt/slides/slide8.xml><?xml version="1.0" encoding="utf-8"?>
+<p:sld xmlns:a="http://schemas.openxmlformats.org/drawingml/2006/main" xmlns:r="http://schemas.openxmlformats.org/officeDocument/2006/relationships" xmlns:p="http://schemas.openxmlformats.org/presentationml/2006/main">
+  <p:cSld>
+    <p:spTree>
+      <p:nvGrpSpPr>
+        <p:cNvPr id="1" name=""/>
+        <p:cNvGrpSpPr/>
+        <p:nvPr/>
+      </p:nvGrpSpPr>
+      <p:grpSpPr>
+        <a:xfrm>
+          <a:off x="0" y="0"/>
+          <a:ext cx="0" cy="0"/>
+          <a:chOff x="0" y="0"/>
+          <a:chExt cx="0" cy="0"/>
+        </a:xfrm>
+      </p:grpSpPr>
+      <p:pic>
+        <p:nvPicPr>
+          <p:cNvPr id="4" name="그림 3"/>
+          <p:cNvPicPr>
+            <a:picLocks noChangeAspect="1"/>
+          </p:cNvPicPr>
+          <p:nvPr/>
+        </p:nvPicPr>
+        <p:blipFill>
+          <a:blip r:embed="rId2"/>
+          <a:stretch>
+            <a:fillRect/>
+          </a:stretch>
+        </p:blipFill>
+        <p:spPr>
+          <a:xfrm>
+            <a:off x="188686" y="415701"/>
+            <a:ext cx="8316686" cy="5881143"/>
+          </a:xfrm>
+          <a:prstGeom prst="rect">
+            <a:avLst/>
+          </a:prstGeom>
+        </p:spPr>
+      </p:pic>
+      <p:sp>
+        <p:nvSpPr>
+          <p:cNvPr id="5" name="TextBox 4"/>
+          <p:cNvSpPr txBox="1"/>
+          <p:nvPr/>
+        </p:nvSpPr>
+        <p:spPr>
+          <a:xfrm>
+            <a:off x="8645836" y="2084845"/>
+            <a:ext cx="3283737" cy="646331"/>
+          </a:xfrm>
+          <a:prstGeom prst="rect">
+            <a:avLst/>
+          </a:prstGeom>
+          <a:noFill/>
+        </p:spPr>
+        <p:txBody>
+          <a:bodyPr wrap="square" rtlCol="0">
+            <a:spAutoFit/>
+          </a:bodyPr>
+          <a:lstStyle/>
+          <a:p>
+            <a:r>
+              <a:rPr lang="ko-KR" altLang="en-US" dirty="0" smtClean="0"/>
+              <a:t>모든 파일을 </a:t>
+            </a:r>
+            <a:r>
+              <a:rPr lang="ko-KR" altLang="en-US" dirty="0" err="1" smtClean="0"/>
+              <a:t>폴더별로</a:t>
+            </a:r>
+            <a:r>
+              <a:rPr lang="ko-KR" altLang="en-US" dirty="0" smtClean="0"/>
+              <a:t> </a:t>
+            </a:r>
+            <a:r>
+              <a:rPr lang="ko-KR" altLang="en-US" dirty="0" err="1" smtClean="0"/>
+              <a:t>정리후</a:t>
+            </a:r>
+            <a:r>
+              <a:rPr lang="ko-KR" altLang="en-US" dirty="0" smtClean="0"/>
+              <a:t> </a:t>
+            </a:r>
+            <a:endParaRPr lang="en-US" altLang="ko-KR" dirty="0" smtClean="0"/>
+          </a:p>
+          <a:p>
+            <a:r>
+              <a:rPr lang="en-US" altLang="ko-KR" dirty="0" err="1" smtClean="0"/>
+              <a:t>Github</a:t>
+            </a:r>
+            <a:r>
+              <a:rPr lang="ko-KR" altLang="en-US" smtClean="0"/>
+              <a:t> 업로드 자료 </a:t>
+            </a:r>
+            <a:r>
+              <a:rPr lang="ko-KR" altLang="en-US" dirty="0" smtClean="0"/>
+              <a:t>정리</a:t>
+            </a:r>
+            <a:endParaRPr lang="en-US" altLang="ko-KR" dirty="0" smtClean="0"/>
+          </a:p>
+        </p:txBody>
+      </p:sp>
+      <p:sp>
+        <p:nvSpPr>
+          <p:cNvPr id="6" name="TextBox 5"/>
+          <p:cNvSpPr txBox="1"/>
+          <p:nvPr/>
+        </p:nvSpPr>
+        <p:spPr>
+          <a:xfrm>
+            <a:off x="8645836" y="3965873"/>
+            <a:ext cx="3546164" cy="1754326"/>
+          </a:xfrm>
+          <a:prstGeom prst="rect">
+            <a:avLst/>
+          </a:prstGeom>
+          <a:noFill/>
+        </p:spPr>
+        <p:txBody>
+          <a:bodyPr wrap="none" rtlCol="0">
+            <a:spAutoFit/>
+          </a:bodyPr>
+          <a:lstStyle/>
+          <a:p>
+            <a:r>
+              <a:rPr lang="en-US" altLang="ko-KR" dirty="0"/>
+              <a:t> &lt;meta http-</a:t>
+            </a:r>
+            <a:r>
+              <a:rPr lang="en-US" altLang="ko-KR" dirty="0" err="1"/>
+              <a:t>equiv</a:t>
+            </a:r>
+            <a:r>
+              <a:rPr lang="en-US" altLang="ko-KR" dirty="0" smtClean="0"/>
+              <a:t>=</a:t>
+            </a:r>
+          </a:p>
+          <a:p>
+            <a:r>
+              <a:rPr lang="en-US" altLang="ko-KR" dirty="0" smtClean="0"/>
+              <a:t>"</a:t>
+            </a:r>
+            <a:r>
+              <a:rPr lang="en-US" altLang="ko-KR" dirty="0"/>
+              <a:t>X-UA-Compatible" content</a:t>
+            </a:r>
+            <a:r>
+              <a:rPr lang="en-US" altLang="ko-KR" dirty="0" smtClean="0"/>
+              <a:t>=</a:t>
+            </a:r>
+          </a:p>
+          <a:p>
+            <a:r>
+              <a:rPr lang="en-US" altLang="ko-KR" dirty="0" smtClean="0"/>
+              <a:t>"</a:t>
+            </a:r>
+            <a:r>
+              <a:rPr lang="en-US" altLang="ko-KR" dirty="0"/>
+              <a:t>IE=edge</a:t>
+            </a:r>
+            <a:r>
+              <a:rPr lang="en-US" altLang="ko-KR" dirty="0" smtClean="0"/>
+              <a:t>"&gt;</a:t>
+            </a:r>
+          </a:p>
+          <a:p>
+            <a:r>
+              <a:rPr lang="ko-KR" altLang="en-US" dirty="0" smtClean="0"/>
+              <a:t>의미에 대해 </a:t>
+            </a:r>
+            <a:r>
+              <a:rPr lang="ko-KR" altLang="en-US" dirty="0" err="1" smtClean="0"/>
+              <a:t>알게됨</a:t>
+            </a:r>
+            <a:r>
+              <a:rPr lang="en-US" altLang="ko-KR" dirty="0" smtClean="0"/>
+              <a:t>. </a:t>
+            </a:r>
+          </a:p>
+          <a:p>
+            <a:r>
+              <a:rPr lang="ko-KR" altLang="en-US" dirty="0" smtClean="0"/>
+              <a:t>최신 버전인 </a:t>
+            </a:r>
+            <a:r>
+              <a:rPr lang="en-US" altLang="ko-KR" dirty="0" smtClean="0"/>
+              <a:t>edge</a:t>
+            </a:r>
+            <a:r>
+              <a:rPr lang="ko-KR" altLang="en-US" dirty="0" smtClean="0"/>
+              <a:t>버전까지 지원</a:t>
+            </a:r>
+            <a:r>
+              <a:rPr lang="en-US" altLang="ko-KR" dirty="0" smtClean="0"/>
+              <a:t>.</a:t>
+            </a:r>
+            <a:endParaRPr lang="en-US" altLang="ko-KR" dirty="0"/>
+          </a:p>
+          <a:p>
+            <a:endParaRPr lang="ko-KR" altLang="en-US" dirty="0"/>
+          </a:p>
+        </p:txBody>
+      </p:sp>
+    </p:spTree>
+    <p:extLst>
+      <p:ext uri="{BB962C8B-B14F-4D97-AF65-F5344CB8AC3E}">
+        <p14:creationId xmlns:p14="http://schemas.microsoft.com/office/powerpoint/2010/main" val="533073027"/>
+      </p:ext>
+    </p:extLst>
+  </p:cSld>
+  <p:clrMapOvr>
+    <a:masterClrMapping/>
+  </p:clrMapOvr>
+</p:sld>
+</file>
+
+<file path=ppt/slides/slide9.xml><?xml version="1.0" encoding="utf-8"?>
+<p:sld xmlns:a="http://schemas.openxmlformats.org/drawingml/2006/main" xmlns:r="http://schemas.openxmlformats.org/officeDocument/2006/relationships" xmlns:p="http://schemas.openxmlformats.org/presentationml/2006/main">
+  <p:cSld>
+    <p:spTree>
+      <p:nvGrpSpPr>
+        <p:cNvPr id="1" name=""/>
+        <p:cNvGrpSpPr/>
+        <p:nvPr/>
+      </p:nvGrpSpPr>
+      <p:grpSpPr>
+        <a:xfrm>
+          <a:off x="0" y="0"/>
+          <a:ext cx="0" cy="0"/>
+          <a:chOff x="0" y="0"/>
+          <a:chExt cx="0" cy="0"/>
+        </a:xfrm>
+      </p:grpSpPr>
+      <p:sp>
+        <p:nvSpPr>
+          <p:cNvPr id="5" name="TextBox 4"/>
+          <p:cNvSpPr txBox="1"/>
+          <p:nvPr/>
+        </p:nvSpPr>
+        <p:spPr>
+          <a:xfrm>
+            <a:off x="4165599" y="5631543"/>
+            <a:ext cx="3586623" cy="646331"/>
+          </a:xfrm>
+          <a:prstGeom prst="rect">
+            <a:avLst/>
+          </a:prstGeom>
+          <a:noFill/>
+        </p:spPr>
+        <p:txBody>
+          <a:bodyPr wrap="none" rtlCol="0">
+            <a:spAutoFit/>
+          </a:bodyPr>
+          <a:lstStyle/>
+          <a:p>
+            <a:r>
+              <a:rPr lang="en-US" altLang="ko-KR" dirty="0" err="1" smtClean="0"/>
+              <a:t>Display:inline</a:t>
+            </a:r>
+            <a:r>
+              <a:rPr lang="en-US" altLang="ko-KR" dirty="0" smtClean="0"/>
+              <a:t> ,block, inline-block</a:t>
+            </a:r>
+          </a:p>
+          <a:p>
+            <a:r>
+              <a:rPr lang="en-US" altLang="ko-KR" dirty="0" smtClean="0"/>
+              <a:t>CSS</a:t>
+            </a:r>
+            <a:r>
+              <a:rPr lang="ko-KR" altLang="en-US" dirty="0"/>
+              <a:t> </a:t>
+            </a:r>
+            <a:r>
+              <a:rPr lang="en-US" altLang="ko-KR" dirty="0" smtClean="0"/>
+              <a:t>box model </a:t>
+            </a:r>
+            <a:r>
+              <a:rPr lang="ko-KR" altLang="en-US" dirty="0" smtClean="0"/>
+              <a:t>에 대해 공부함</a:t>
+            </a:r>
+            <a:endParaRPr lang="en-US" altLang="ko-KR" dirty="0" smtClean="0"/>
+          </a:p>
+        </p:txBody>
+      </p:sp>
+      <p:pic>
+        <p:nvPicPr>
+          <p:cNvPr id="7" name="그림 6"/>
+          <p:cNvPicPr>
+            <a:picLocks noChangeAspect="1"/>
+          </p:cNvPicPr>
+          <p:nvPr/>
+        </p:nvPicPr>
+        <p:blipFill>
+          <a:blip r:embed="rId2"/>
+          <a:stretch>
+            <a:fillRect/>
+          </a:stretch>
+        </p:blipFill>
+        <p:spPr>
+          <a:xfrm>
+            <a:off x="412906" y="792843"/>
+            <a:ext cx="11445166" cy="4083958"/>
+          </a:xfrm>
+          <a:prstGeom prst="rect">
+            <a:avLst/>
+          </a:prstGeom>
+        </p:spPr>
+      </p:pic>
+    </p:spTree>
+    <p:extLst>
+      <p:ext uri="{BB962C8B-B14F-4D97-AF65-F5344CB8AC3E}">
+        <p14:creationId xmlns:p14="http://schemas.microsoft.com/office/powerpoint/2010/main" val="1605804927"/>
+      </p:ext>
+    </p:extLst>
+  </p:cSld>
+  <p:clrMapOvr>
+    <a:masterClrMapping/>
+  </p:clrMapOvr>
+</p:sld>
+</file>
+
 <file path=ppt/theme/theme1.xml><?xml version="1.0" encoding="utf-8"?>
 <a:theme xmlns:a="http://schemas.openxmlformats.org/drawingml/2006/main" name="Office 테마">
   <a:themeElements>

--- a/일지.pptx
+++ b/일지.pptx
@@ -14,6 +14,8 @@
     <p:sldId id="264" r:id="rId8"/>
     <p:sldId id="263" r:id="rId9"/>
     <p:sldId id="262" r:id="rId10"/>
+    <p:sldId id="265" r:id="rId11"/>
+    <p:sldId id="266" r:id="rId12"/>
   </p:sldIdLst>
   <p:sldSz cx="12192000" cy="6858000"/>
   <p:notesSz cx="6858000" cy="9144000"/>
@@ -138,6 +140,8 @@
             <p14:sldId id="264"/>
             <p14:sldId id="263"/>
             <p14:sldId id="262"/>
+            <p14:sldId id="265"/>
+            <p14:sldId id="266"/>
           </p14:sldIdLst>
         </p14:section>
       </p14:sectionLst>
@@ -3068,6 +3072,535 @@
 </p:sld>
 </file>
 
+<file path=ppt/slides/slide10.xml><?xml version="1.0" encoding="utf-8"?>
+<p:sld xmlns:a="http://schemas.openxmlformats.org/drawingml/2006/main" xmlns:r="http://schemas.openxmlformats.org/officeDocument/2006/relationships" xmlns:p="http://schemas.openxmlformats.org/presentationml/2006/main">
+  <p:cSld>
+    <p:spTree>
+      <p:nvGrpSpPr>
+        <p:cNvPr id="1" name=""/>
+        <p:cNvGrpSpPr/>
+        <p:nvPr/>
+      </p:nvGrpSpPr>
+      <p:grpSpPr>
+        <a:xfrm>
+          <a:off x="0" y="0"/>
+          <a:ext cx="0" cy="0"/>
+          <a:chOff x="0" y="0"/>
+          <a:chExt cx="0" cy="0"/>
+        </a:xfrm>
+      </p:grpSpPr>
+      <p:sp>
+        <p:nvSpPr>
+          <p:cNvPr id="4" name="TextBox 3"/>
+          <p:cNvSpPr txBox="1"/>
+          <p:nvPr/>
+        </p:nvSpPr>
+        <p:spPr>
+          <a:xfrm>
+            <a:off x="6778172" y="4717143"/>
+            <a:ext cx="3281668" cy="646331"/>
+          </a:xfrm>
+          <a:prstGeom prst="rect">
+            <a:avLst/>
+          </a:prstGeom>
+          <a:noFill/>
+        </p:spPr>
+        <p:txBody>
+          <a:bodyPr wrap="none" rtlCol="0">
+            <a:spAutoFit/>
+          </a:bodyPr>
+          <a:lstStyle/>
+          <a:p>
+            <a:r>
+              <a:rPr lang="ko-KR" altLang="en-US" dirty="0" smtClean="0"/>
+              <a:t>그리드 실기</a:t>
+            </a:r>
+            <a:r>
+              <a:rPr lang="en-US" altLang="ko-KR" dirty="0" smtClean="0"/>
+              <a:t>, </a:t>
+            </a:r>
+            <a:r>
+              <a:rPr lang="ko-KR" altLang="en-US" dirty="0" err="1" smtClean="0"/>
+              <a:t>테스팅</a:t>
+            </a:r>
+            <a:r>
+              <a:rPr lang="en-US" altLang="ko-KR" dirty="0" smtClean="0"/>
+              <a:t>, </a:t>
+            </a:r>
+            <a:r>
+              <a:rPr lang="ko-KR" altLang="en-US" dirty="0" smtClean="0"/>
+              <a:t>적용</a:t>
+            </a:r>
+            <a:endParaRPr lang="en-US" altLang="ko-KR" dirty="0" smtClean="0"/>
+          </a:p>
+          <a:p>
+            <a:r>
+              <a:rPr lang="ko-KR" altLang="en-US" dirty="0" smtClean="0"/>
+              <a:t>글자 간격 </a:t>
+            </a:r>
+            <a:r>
+              <a:rPr lang="ko-KR" altLang="en-US" dirty="0" err="1" smtClean="0"/>
+              <a:t>하는법</a:t>
+            </a:r>
+            <a:r>
+              <a:rPr lang="ko-KR" altLang="en-US" dirty="0" smtClean="0"/>
+              <a:t> 찾아서 수정</a:t>
+            </a:r>
+            <a:endParaRPr lang="ko-KR" altLang="en-US" dirty="0"/>
+          </a:p>
+        </p:txBody>
+      </p:sp>
+      <p:pic>
+        <p:nvPicPr>
+          <p:cNvPr id="5" name="그림 4"/>
+          <p:cNvPicPr>
+            <a:picLocks noChangeAspect="1"/>
+          </p:cNvPicPr>
+          <p:nvPr/>
+        </p:nvPicPr>
+        <p:blipFill>
+          <a:blip r:embed="rId2"/>
+          <a:stretch>
+            <a:fillRect/>
+          </a:stretch>
+        </p:blipFill>
+        <p:spPr>
+          <a:xfrm>
+            <a:off x="0" y="3267074"/>
+            <a:ext cx="4422968" cy="3590925"/>
+          </a:xfrm>
+          <a:prstGeom prst="rect">
+            <a:avLst/>
+          </a:prstGeom>
+        </p:spPr>
+      </p:pic>
+      <p:pic>
+        <p:nvPicPr>
+          <p:cNvPr id="6" name="그림 5"/>
+          <p:cNvPicPr>
+            <a:picLocks noChangeAspect="1"/>
+          </p:cNvPicPr>
+          <p:nvPr/>
+        </p:nvPicPr>
+        <p:blipFill>
+          <a:blip r:embed="rId3"/>
+          <a:stretch>
+            <a:fillRect/>
+          </a:stretch>
+        </p:blipFill>
+        <p:spPr>
+          <a:xfrm>
+            <a:off x="0" y="0"/>
+            <a:ext cx="7839075" cy="3267075"/>
+          </a:xfrm>
+          <a:prstGeom prst="rect">
+            <a:avLst/>
+          </a:prstGeom>
+          <a:ln w="38100" cap="sq">
+            <a:solidFill>
+              <a:srgbClr val="000000"/>
+            </a:solidFill>
+            <a:prstDash val="solid"/>
+            <a:miter lim="800000"/>
+          </a:ln>
+          <a:effectLst>
+            <a:outerShdw blurRad="50800" dist="38100" dir="2700000" algn="tl" rotWithShape="0">
+              <a:srgbClr val="000000">
+                <a:alpha val="43000"/>
+              </a:srgbClr>
+            </a:outerShdw>
+          </a:effectLst>
+        </p:spPr>
+      </p:pic>
+      <p:sp>
+        <p:nvSpPr>
+          <p:cNvPr id="7" name="아래쪽 화살표 6"/>
+          <p:cNvSpPr/>
+          <p:nvPr/>
+        </p:nvSpPr>
+        <p:spPr>
+          <a:xfrm rot="1601748">
+            <a:off x="2995597" y="1248989"/>
+            <a:ext cx="478971" cy="2777736"/>
+          </a:xfrm>
+          <a:prstGeom prst="downArrow">
+            <a:avLst>
+              <a:gd name="adj1" fmla="val 50000"/>
+              <a:gd name="adj2" fmla="val 140909"/>
+            </a:avLst>
+          </a:prstGeom>
+        </p:spPr>
+        <p:style>
+          <a:lnRef idx="2">
+            <a:schemeClr val="accent1">
+              <a:shade val="50000"/>
+            </a:schemeClr>
+          </a:lnRef>
+          <a:fillRef idx="1">
+            <a:schemeClr val="accent1"/>
+          </a:fillRef>
+          <a:effectRef idx="0">
+            <a:schemeClr val="accent1"/>
+          </a:effectRef>
+          <a:fontRef idx="minor">
+            <a:schemeClr val="lt1"/>
+          </a:fontRef>
+        </p:style>
+        <p:txBody>
+          <a:bodyPr rtlCol="0" anchor="ctr"/>
+          <a:lstStyle/>
+          <a:p>
+            <a:pPr algn="ctr"/>
+            <a:endParaRPr lang="ko-KR" altLang="en-US"/>
+          </a:p>
+        </p:txBody>
+      </p:sp>
+      <p:sp>
+        <p:nvSpPr>
+          <p:cNvPr id="8" name="직사각형 7"/>
+          <p:cNvSpPr/>
+          <p:nvPr/>
+        </p:nvSpPr>
+        <p:spPr>
+          <a:xfrm>
+            <a:off x="1654629" y="3831771"/>
+            <a:ext cx="1756228" cy="478972"/>
+          </a:xfrm>
+          <a:prstGeom prst="rect">
+            <a:avLst/>
+          </a:prstGeom>
+          <a:noFill/>
+          <a:ln>
+            <a:solidFill>
+              <a:srgbClr val="FF0000"/>
+            </a:solidFill>
+          </a:ln>
+        </p:spPr>
+        <p:style>
+          <a:lnRef idx="2">
+            <a:schemeClr val="accent1">
+              <a:shade val="50000"/>
+            </a:schemeClr>
+          </a:lnRef>
+          <a:fillRef idx="1">
+            <a:schemeClr val="accent1"/>
+          </a:fillRef>
+          <a:effectRef idx="0">
+            <a:schemeClr val="accent1"/>
+          </a:effectRef>
+          <a:fontRef idx="minor">
+            <a:schemeClr val="lt1"/>
+          </a:fontRef>
+        </p:style>
+        <p:txBody>
+          <a:bodyPr rtlCol="0" anchor="ctr"/>
+          <a:lstStyle/>
+          <a:p>
+            <a:pPr algn="ctr"/>
+            <a:endParaRPr lang="ko-KR" altLang="en-US"/>
+          </a:p>
+        </p:txBody>
+      </p:sp>
+      <p:sp>
+        <p:nvSpPr>
+          <p:cNvPr id="9" name="직사각형 8"/>
+          <p:cNvSpPr/>
+          <p:nvPr/>
+        </p:nvSpPr>
+        <p:spPr>
+          <a:xfrm>
+            <a:off x="1654629" y="4717143"/>
+            <a:ext cx="2497246" cy="1944914"/>
+          </a:xfrm>
+          <a:prstGeom prst="rect">
+            <a:avLst/>
+          </a:prstGeom>
+          <a:noFill/>
+          <a:ln>
+            <a:solidFill>
+              <a:srgbClr val="FF0000"/>
+            </a:solidFill>
+          </a:ln>
+        </p:spPr>
+        <p:style>
+          <a:lnRef idx="2">
+            <a:schemeClr val="accent1">
+              <a:shade val="50000"/>
+            </a:schemeClr>
+          </a:lnRef>
+          <a:fillRef idx="1">
+            <a:schemeClr val="accent1"/>
+          </a:fillRef>
+          <a:effectRef idx="0">
+            <a:schemeClr val="accent1"/>
+          </a:effectRef>
+          <a:fontRef idx="minor">
+            <a:schemeClr val="lt1"/>
+          </a:fontRef>
+        </p:style>
+        <p:txBody>
+          <a:bodyPr rtlCol="0" anchor="ctr"/>
+          <a:lstStyle/>
+          <a:p>
+            <a:pPr algn="ctr"/>
+            <a:endParaRPr lang="ko-KR" altLang="en-US"/>
+          </a:p>
+        </p:txBody>
+      </p:sp>
+      <p:sp>
+        <p:nvSpPr>
+          <p:cNvPr id="10" name="아래쪽 화살표 9"/>
+          <p:cNvSpPr/>
+          <p:nvPr/>
+        </p:nvSpPr>
+        <p:spPr>
+          <a:xfrm rot="1349202">
+            <a:off x="3294255" y="2425929"/>
+            <a:ext cx="475082" cy="2415586"/>
+          </a:xfrm>
+          <a:prstGeom prst="downArrow">
+            <a:avLst/>
+          </a:prstGeom>
+        </p:spPr>
+        <p:style>
+          <a:lnRef idx="2">
+            <a:schemeClr val="accent1">
+              <a:shade val="50000"/>
+            </a:schemeClr>
+          </a:lnRef>
+          <a:fillRef idx="1">
+            <a:schemeClr val="accent1"/>
+          </a:fillRef>
+          <a:effectRef idx="0">
+            <a:schemeClr val="accent1"/>
+          </a:effectRef>
+          <a:fontRef idx="minor">
+            <a:schemeClr val="lt1"/>
+          </a:fontRef>
+        </p:style>
+        <p:txBody>
+          <a:bodyPr rtlCol="0" anchor="ctr"/>
+          <a:lstStyle/>
+          <a:p>
+            <a:pPr algn="ctr"/>
+            <a:endParaRPr lang="ko-KR" altLang="en-US"/>
+          </a:p>
+        </p:txBody>
+      </p:sp>
+      <p:sp>
+        <p:nvSpPr>
+          <p:cNvPr id="11" name="직사각형 10"/>
+          <p:cNvSpPr/>
+          <p:nvPr/>
+        </p:nvSpPr>
+        <p:spPr>
+          <a:xfrm>
+            <a:off x="1509486" y="435429"/>
+            <a:ext cx="4847771" cy="1045028"/>
+          </a:xfrm>
+          <a:prstGeom prst="rect">
+            <a:avLst/>
+          </a:prstGeom>
+          <a:noFill/>
+          <a:ln>
+            <a:solidFill>
+              <a:srgbClr val="FF0000"/>
+            </a:solidFill>
+          </a:ln>
+        </p:spPr>
+        <p:style>
+          <a:lnRef idx="2">
+            <a:schemeClr val="accent1">
+              <a:shade val="50000"/>
+            </a:schemeClr>
+          </a:lnRef>
+          <a:fillRef idx="1">
+            <a:schemeClr val="accent1"/>
+          </a:fillRef>
+          <a:effectRef idx="0">
+            <a:schemeClr val="accent1"/>
+          </a:effectRef>
+          <a:fontRef idx="minor">
+            <a:schemeClr val="lt1"/>
+          </a:fontRef>
+        </p:style>
+        <p:txBody>
+          <a:bodyPr rtlCol="0" anchor="ctr"/>
+          <a:lstStyle/>
+          <a:p>
+            <a:pPr algn="ctr"/>
+            <a:endParaRPr lang="ko-KR" altLang="en-US"/>
+          </a:p>
+        </p:txBody>
+      </p:sp>
+    </p:spTree>
+    <p:extLst>
+      <p:ext uri="{BB962C8B-B14F-4D97-AF65-F5344CB8AC3E}">
+        <p14:creationId xmlns:p14="http://schemas.microsoft.com/office/powerpoint/2010/main" val="1907062779"/>
+      </p:ext>
+    </p:extLst>
+  </p:cSld>
+  <p:clrMapOvr>
+    <a:masterClrMapping/>
+  </p:clrMapOvr>
+</p:sld>
+</file>
+
+<file path=ppt/slides/slide11.xml><?xml version="1.0" encoding="utf-8"?>
+<p:sld xmlns:a="http://schemas.openxmlformats.org/drawingml/2006/main" xmlns:r="http://schemas.openxmlformats.org/officeDocument/2006/relationships" xmlns:p="http://schemas.openxmlformats.org/presentationml/2006/main">
+  <p:cSld>
+    <p:spTree>
+      <p:nvGrpSpPr>
+        <p:cNvPr id="1" name=""/>
+        <p:cNvGrpSpPr/>
+        <p:nvPr/>
+      </p:nvGrpSpPr>
+      <p:grpSpPr>
+        <a:xfrm>
+          <a:off x="0" y="0"/>
+          <a:ext cx="0" cy="0"/>
+          <a:chOff x="0" y="0"/>
+          <a:chExt cx="0" cy="0"/>
+        </a:xfrm>
+      </p:grpSpPr>
+      <p:pic>
+        <p:nvPicPr>
+          <p:cNvPr id="4" name="그림 3"/>
+          <p:cNvPicPr>
+            <a:picLocks noChangeAspect="1"/>
+          </p:cNvPicPr>
+          <p:nvPr/>
+        </p:nvPicPr>
+        <p:blipFill>
+          <a:blip r:embed="rId2"/>
+          <a:stretch>
+            <a:fillRect/>
+          </a:stretch>
+        </p:blipFill>
+        <p:spPr>
+          <a:xfrm>
+            <a:off x="281214" y="1092825"/>
+            <a:ext cx="6221186" cy="4868291"/>
+          </a:xfrm>
+          <a:prstGeom prst="rect">
+            <a:avLst/>
+          </a:prstGeom>
+        </p:spPr>
+      </p:pic>
+      <p:sp>
+        <p:nvSpPr>
+          <p:cNvPr id="5" name="TextBox 4"/>
+          <p:cNvSpPr txBox="1"/>
+          <p:nvPr/>
+        </p:nvSpPr>
+        <p:spPr>
+          <a:xfrm>
+            <a:off x="7228115" y="3091543"/>
+            <a:ext cx="4450257" cy="646331"/>
+          </a:xfrm>
+          <a:prstGeom prst="rect">
+            <a:avLst/>
+          </a:prstGeom>
+          <a:noFill/>
+        </p:spPr>
+        <p:txBody>
+          <a:bodyPr wrap="none" rtlCol="0">
+            <a:spAutoFit/>
+          </a:bodyPr>
+          <a:lstStyle/>
+          <a:p>
+            <a:r>
+              <a:rPr lang="ko-KR" altLang="en-US" dirty="0" smtClean="0"/>
+              <a:t>부모의 </a:t>
+            </a:r>
+            <a:r>
+              <a:rPr lang="en-US" altLang="ko-KR" dirty="0" smtClean="0"/>
+              <a:t>ID</a:t>
+            </a:r>
+            <a:r>
+              <a:rPr lang="ko-KR" altLang="en-US" dirty="0" smtClean="0"/>
+              <a:t>가 </a:t>
+            </a:r>
+            <a:r>
+              <a:rPr lang="en-US" altLang="ko-KR" dirty="0" err="1" smtClean="0"/>
+              <a:t>maingrid</a:t>
+            </a:r>
+            <a:r>
+              <a:rPr lang="ko-KR" altLang="en-US" dirty="0" smtClean="0"/>
+              <a:t>인 것 중에 </a:t>
+            </a:r>
+            <a:endParaRPr lang="en-US" altLang="ko-KR" dirty="0" smtClean="0"/>
+          </a:p>
+          <a:p>
+            <a:r>
+              <a:rPr lang="en-US" altLang="ko-KR" dirty="0" err="1" smtClean="0"/>
+              <a:t>ol</a:t>
+            </a:r>
+            <a:r>
+              <a:rPr lang="ko-KR" altLang="en-US" dirty="0" smtClean="0"/>
+              <a:t>만 적용시키는 방법도 알게 되었습니다</a:t>
+            </a:r>
+            <a:r>
+              <a:rPr lang="en-US" altLang="ko-KR" dirty="0" smtClean="0"/>
+              <a:t>.</a:t>
+            </a:r>
+            <a:endParaRPr lang="ko-KR" altLang="en-US" dirty="0"/>
+          </a:p>
+        </p:txBody>
+      </p:sp>
+      <p:sp>
+        <p:nvSpPr>
+          <p:cNvPr id="7" name="오른쪽 화살표 6"/>
+          <p:cNvSpPr/>
+          <p:nvPr/>
+        </p:nvSpPr>
+        <p:spPr>
+          <a:xfrm rot="20115424">
+            <a:off x="4872253" y="3773643"/>
+            <a:ext cx="2379624" cy="408405"/>
+          </a:xfrm>
+          <a:prstGeom prst="rightArrow">
+            <a:avLst/>
+          </a:prstGeom>
+        </p:spPr>
+        <p:style>
+          <a:lnRef idx="2">
+            <a:schemeClr val="accent1">
+              <a:shade val="50000"/>
+            </a:schemeClr>
+          </a:lnRef>
+          <a:fillRef idx="1">
+            <a:schemeClr val="accent1"/>
+          </a:fillRef>
+          <a:effectRef idx="0">
+            <a:schemeClr val="accent1"/>
+          </a:effectRef>
+          <a:fontRef idx="minor">
+            <a:schemeClr val="lt1"/>
+          </a:fontRef>
+        </p:style>
+        <p:txBody>
+          <a:bodyPr rtlCol="0" anchor="ctr"/>
+          <a:lstStyle/>
+          <a:p>
+            <a:pPr algn="ctr"/>
+            <a:endParaRPr lang="ko-KR" altLang="en-US"/>
+          </a:p>
+        </p:txBody>
+      </p:sp>
+    </p:spTree>
+    <p:extLst>
+      <p:ext uri="{BB962C8B-B14F-4D97-AF65-F5344CB8AC3E}">
+        <p14:creationId xmlns:p14="http://schemas.microsoft.com/office/powerpoint/2010/main" val="3491869308"/>
+      </p:ext>
+    </p:extLst>
+  </p:cSld>
+  <p:clrMapOvr>
+    <a:masterClrMapping/>
+  </p:clrMapOvr>
+</p:sld>
+</file>
+
 <file path=ppt/slides/slide2.xml><?xml version="1.0" encoding="utf-8"?>
 <p:sld xmlns:a="http://schemas.openxmlformats.org/drawingml/2006/main" xmlns:r="http://schemas.openxmlformats.org/officeDocument/2006/relationships" xmlns:p="http://schemas.openxmlformats.org/presentationml/2006/main">
   <p:cSld>
@@ -4051,12 +4584,8 @@
               <a:t>Github</a:t>
             </a:r>
             <a:r>
-              <a:rPr lang="ko-KR" altLang="en-US" smtClean="0"/>
-              <a:t> 업로드 자료 </a:t>
-            </a:r>
-            <a:r>
               <a:rPr lang="ko-KR" altLang="en-US" dirty="0" smtClean="0"/>
-              <a:t>정리</a:t>
+              <a:t> 업로드 자료 정리</a:t>
             </a:r>
             <a:endParaRPr lang="en-US" altLang="ko-KR" dirty="0" smtClean="0"/>
           </a:p>

--- a/일지.pptx
+++ b/일지.pptx
@@ -16,6 +16,13 @@
     <p:sldId id="262" r:id="rId10"/>
     <p:sldId id="265" r:id="rId11"/>
     <p:sldId id="266" r:id="rId12"/>
+    <p:sldId id="267" r:id="rId13"/>
+    <p:sldId id="268" r:id="rId14"/>
+    <p:sldId id="269" r:id="rId15"/>
+    <p:sldId id="270" r:id="rId16"/>
+    <p:sldId id="271" r:id="rId17"/>
+    <p:sldId id="272" r:id="rId18"/>
+    <p:sldId id="273" r:id="rId19"/>
   </p:sldIdLst>
   <p:sldSz cx="12192000" cy="6858000"/>
   <p:notesSz cx="6858000" cy="9144000"/>
@@ -144,6 +151,21 @@
             <p14:sldId id="266"/>
           </p14:sldIdLst>
         </p14:section>
+        <p14:section name="21-04-02(퇴근후)" id="{9419078E-A992-473C-B1E7-F96C86FAACEA}">
+          <p14:sldIdLst>
+            <p14:sldId id="267"/>
+            <p14:sldId id="268"/>
+          </p14:sldIdLst>
+        </p14:section>
+        <p14:section name="21-04-03~04(주말)" id="{E46A611D-333F-4543-B1A6-5015B51D4DB8}">
+          <p14:sldIdLst>
+            <p14:sldId id="269"/>
+            <p14:sldId id="270"/>
+            <p14:sldId id="271"/>
+            <p14:sldId id="272"/>
+            <p14:sldId id="273"/>
+          </p14:sldIdLst>
+        </p14:section>
       </p14:sectionLst>
     </p:ext>
     <p:ext uri="{EFAFB233-063F-42B5-8137-9DF3F51BA10A}">
@@ -284,7 +306,7 @@
           <a:p>
             <a:fld id="{1EFE1532-6FDF-40EF-BA9A-F16E17740707}" type="datetimeFigureOut">
               <a:rPr lang="ko-KR" altLang="en-US" smtClean="0"/>
-              <a:t>2021-04-02</a:t>
+              <a:t>2021-04-04</a:t>
             </a:fld>
             <a:endParaRPr lang="ko-KR" altLang="en-US"/>
           </a:p>
@@ -454,7 +476,7 @@
           <a:p>
             <a:fld id="{1EFE1532-6FDF-40EF-BA9A-F16E17740707}" type="datetimeFigureOut">
               <a:rPr lang="ko-KR" altLang="en-US" smtClean="0"/>
-              <a:t>2021-04-02</a:t>
+              <a:t>2021-04-04</a:t>
             </a:fld>
             <a:endParaRPr lang="ko-KR" altLang="en-US"/>
           </a:p>
@@ -634,7 +656,7 @@
           <a:p>
             <a:fld id="{1EFE1532-6FDF-40EF-BA9A-F16E17740707}" type="datetimeFigureOut">
               <a:rPr lang="ko-KR" altLang="en-US" smtClean="0"/>
-              <a:t>2021-04-02</a:t>
+              <a:t>2021-04-04</a:t>
             </a:fld>
             <a:endParaRPr lang="ko-KR" altLang="en-US"/>
           </a:p>
@@ -804,7 +826,7 @@
           <a:p>
             <a:fld id="{1EFE1532-6FDF-40EF-BA9A-F16E17740707}" type="datetimeFigureOut">
               <a:rPr lang="ko-KR" altLang="en-US" smtClean="0"/>
-              <a:t>2021-04-02</a:t>
+              <a:t>2021-04-04</a:t>
             </a:fld>
             <a:endParaRPr lang="ko-KR" altLang="en-US"/>
           </a:p>
@@ -1050,7 +1072,7 @@
           <a:p>
             <a:fld id="{1EFE1532-6FDF-40EF-BA9A-F16E17740707}" type="datetimeFigureOut">
               <a:rPr lang="ko-KR" altLang="en-US" smtClean="0"/>
-              <a:t>2021-04-02</a:t>
+              <a:t>2021-04-04</a:t>
             </a:fld>
             <a:endParaRPr lang="ko-KR" altLang="en-US"/>
           </a:p>
@@ -1282,7 +1304,7 @@
           <a:p>
             <a:fld id="{1EFE1532-6FDF-40EF-BA9A-F16E17740707}" type="datetimeFigureOut">
               <a:rPr lang="ko-KR" altLang="en-US" smtClean="0"/>
-              <a:t>2021-04-02</a:t>
+              <a:t>2021-04-04</a:t>
             </a:fld>
             <a:endParaRPr lang="ko-KR" altLang="en-US"/>
           </a:p>
@@ -1649,7 +1671,7 @@
           <a:p>
             <a:fld id="{1EFE1532-6FDF-40EF-BA9A-F16E17740707}" type="datetimeFigureOut">
               <a:rPr lang="ko-KR" altLang="en-US" smtClean="0"/>
-              <a:t>2021-04-02</a:t>
+              <a:t>2021-04-04</a:t>
             </a:fld>
             <a:endParaRPr lang="ko-KR" altLang="en-US"/>
           </a:p>
@@ -1767,7 +1789,7 @@
           <a:p>
             <a:fld id="{1EFE1532-6FDF-40EF-BA9A-F16E17740707}" type="datetimeFigureOut">
               <a:rPr lang="ko-KR" altLang="en-US" smtClean="0"/>
-              <a:t>2021-04-02</a:t>
+              <a:t>2021-04-04</a:t>
             </a:fld>
             <a:endParaRPr lang="ko-KR" altLang="en-US"/>
           </a:p>
@@ -1862,7 +1884,7 @@
           <a:p>
             <a:fld id="{1EFE1532-6FDF-40EF-BA9A-F16E17740707}" type="datetimeFigureOut">
               <a:rPr lang="ko-KR" altLang="en-US" smtClean="0"/>
-              <a:t>2021-04-02</a:t>
+              <a:t>2021-04-04</a:t>
             </a:fld>
             <a:endParaRPr lang="ko-KR" altLang="en-US"/>
           </a:p>
@@ -2139,7 +2161,7 @@
           <a:p>
             <a:fld id="{1EFE1532-6FDF-40EF-BA9A-F16E17740707}" type="datetimeFigureOut">
               <a:rPr lang="ko-KR" altLang="en-US" smtClean="0"/>
-              <a:t>2021-04-02</a:t>
+              <a:t>2021-04-04</a:t>
             </a:fld>
             <a:endParaRPr lang="ko-KR" altLang="en-US"/>
           </a:p>
@@ -2392,7 +2414,7 @@
           <a:p>
             <a:fld id="{1EFE1532-6FDF-40EF-BA9A-F16E17740707}" type="datetimeFigureOut">
               <a:rPr lang="ko-KR" altLang="en-US" smtClean="0"/>
-              <a:t>2021-04-02</a:t>
+              <a:t>2021-04-04</a:t>
             </a:fld>
             <a:endParaRPr lang="ko-KR" altLang="en-US"/>
           </a:p>
@@ -2605,7 +2627,7 @@
           <a:p>
             <a:fld id="{1EFE1532-6FDF-40EF-BA9A-F16E17740707}" type="datetimeFigureOut">
               <a:rPr lang="ko-KR" altLang="en-US" smtClean="0"/>
-              <a:t>2021-04-02</a:t>
+              <a:t>2021-04-04</a:t>
             </a:fld>
             <a:endParaRPr lang="ko-KR" altLang="en-US"/>
           </a:p>
@@ -3601,6 +3623,1203 @@
 </p:sld>
 </file>
 
+<file path=ppt/slides/slide12.xml><?xml version="1.0" encoding="utf-8"?>
+<p:sld xmlns:a="http://schemas.openxmlformats.org/drawingml/2006/main" xmlns:r="http://schemas.openxmlformats.org/officeDocument/2006/relationships" xmlns:p="http://schemas.openxmlformats.org/presentationml/2006/main">
+  <p:cSld>
+    <p:spTree>
+      <p:nvGrpSpPr>
+        <p:cNvPr id="1" name=""/>
+        <p:cNvGrpSpPr/>
+        <p:nvPr/>
+      </p:nvGrpSpPr>
+      <p:grpSpPr>
+        <a:xfrm>
+          <a:off x="0" y="0"/>
+          <a:ext cx="0" cy="0"/>
+          <a:chOff x="0" y="0"/>
+          <a:chExt cx="0" cy="0"/>
+        </a:xfrm>
+      </p:grpSpPr>
+      <p:pic>
+        <p:nvPicPr>
+          <p:cNvPr id="4" name="그림 3"/>
+          <p:cNvPicPr>
+            <a:picLocks noChangeAspect="1"/>
+          </p:cNvPicPr>
+          <p:nvPr/>
+        </p:nvPicPr>
+        <p:blipFill>
+          <a:blip r:embed="rId2"/>
+          <a:stretch>
+            <a:fillRect/>
+          </a:stretch>
+        </p:blipFill>
+        <p:spPr>
+          <a:xfrm>
+            <a:off x="0" y="1"/>
+            <a:ext cx="5331655" cy="5404442"/>
+          </a:xfrm>
+          <a:prstGeom prst="rect">
+            <a:avLst/>
+          </a:prstGeom>
+        </p:spPr>
+      </p:pic>
+      <p:pic>
+        <p:nvPicPr>
+          <p:cNvPr id="5" name="그림 4"/>
+          <p:cNvPicPr>
+            <a:picLocks noChangeAspect="1"/>
+          </p:cNvPicPr>
+          <p:nvPr/>
+        </p:nvPicPr>
+        <p:blipFill>
+          <a:blip r:embed="rId3"/>
+          <a:stretch>
+            <a:fillRect/>
+          </a:stretch>
+        </p:blipFill>
+        <p:spPr>
+          <a:xfrm>
+            <a:off x="5331655" y="0"/>
+            <a:ext cx="6866753" cy="5404443"/>
+          </a:xfrm>
+          <a:prstGeom prst="rect">
+            <a:avLst/>
+          </a:prstGeom>
+        </p:spPr>
+      </p:pic>
+      <p:sp>
+        <p:nvSpPr>
+          <p:cNvPr id="6" name="TextBox 5"/>
+          <p:cNvSpPr txBox="1"/>
+          <p:nvPr/>
+        </p:nvSpPr>
+        <p:spPr>
+          <a:xfrm>
+            <a:off x="4178105" y="5655212"/>
+            <a:ext cx="3575018" cy="923330"/>
+          </a:xfrm>
+          <a:prstGeom prst="rect">
+            <a:avLst/>
+          </a:prstGeom>
+          <a:noFill/>
+        </p:spPr>
+        <p:txBody>
+          <a:bodyPr wrap="none" rtlCol="0">
+            <a:spAutoFit/>
+          </a:bodyPr>
+          <a:lstStyle/>
+          <a:p>
+            <a:r>
+              <a:rPr lang="en-US" altLang="ko-KR" dirty="0">
+                <a:hlinkClick r:id="rId4"/>
+              </a:rPr>
+              <a:t>https://</a:t>
+            </a:r>
+            <a:r>
+              <a:rPr lang="en-US" altLang="ko-KR" dirty="0" smtClean="0">
+                <a:hlinkClick r:id="rId4"/>
+              </a:rPr>
+              <a:t>youtu.be/OoA70D2TE0A</a:t>
+            </a:r>
+            <a:r>
+              <a:rPr lang="en-US" altLang="ko-KR" dirty="0" smtClean="0"/>
+              <a:t> </a:t>
+            </a:r>
+          </a:p>
+          <a:p>
+            <a:r>
+              <a:rPr lang="ko-KR" altLang="en-US" dirty="0" err="1" smtClean="0"/>
+              <a:t>드림코딩</a:t>
+            </a:r>
+            <a:r>
+              <a:rPr lang="en-US" altLang="ko-KR" dirty="0" smtClean="0"/>
+              <a:t> by </a:t>
+            </a:r>
+            <a:r>
+              <a:rPr lang="ko-KR" altLang="en-US" dirty="0" err="1" smtClean="0"/>
+              <a:t>엘리</a:t>
+            </a:r>
+            <a:endParaRPr lang="en-US" altLang="ko-KR" dirty="0"/>
+          </a:p>
+          <a:p>
+            <a:r>
+              <a:rPr lang="ko-KR" altLang="en-US" dirty="0" smtClean="0"/>
+              <a:t>보며 </a:t>
+            </a:r>
+            <a:r>
+              <a:rPr lang="en-US" altLang="ko-KR" dirty="0" smtClean="0"/>
+              <a:t>html</a:t>
+            </a:r>
+            <a:r>
+              <a:rPr lang="ko-KR" altLang="en-US" dirty="0" smtClean="0"/>
+              <a:t>복습</a:t>
+            </a:r>
+            <a:r>
+              <a:rPr lang="en-US" altLang="ko-KR" dirty="0" smtClean="0"/>
+              <a:t>, </a:t>
+            </a:r>
+            <a:r>
+              <a:rPr lang="ko-KR" altLang="en-US" dirty="0" smtClean="0"/>
+              <a:t>모르던 부분 학습</a:t>
+            </a:r>
+            <a:endParaRPr lang="ko-KR" altLang="en-US" dirty="0"/>
+          </a:p>
+        </p:txBody>
+      </p:sp>
+    </p:spTree>
+    <p:extLst>
+      <p:ext uri="{BB962C8B-B14F-4D97-AF65-F5344CB8AC3E}">
+        <p14:creationId xmlns:p14="http://schemas.microsoft.com/office/powerpoint/2010/main" val="632375653"/>
+      </p:ext>
+    </p:extLst>
+  </p:cSld>
+  <p:clrMapOvr>
+    <a:masterClrMapping/>
+  </p:clrMapOvr>
+</p:sld>
+</file>
+
+<file path=ppt/slides/slide13.xml><?xml version="1.0" encoding="utf-8"?>
+<p:sld xmlns:a="http://schemas.openxmlformats.org/drawingml/2006/main" xmlns:r="http://schemas.openxmlformats.org/officeDocument/2006/relationships" xmlns:p="http://schemas.openxmlformats.org/presentationml/2006/main">
+  <p:cSld>
+    <p:spTree>
+      <p:nvGrpSpPr>
+        <p:cNvPr id="1" name=""/>
+        <p:cNvGrpSpPr/>
+        <p:nvPr/>
+      </p:nvGrpSpPr>
+      <p:grpSpPr>
+        <a:xfrm>
+          <a:off x="0" y="0"/>
+          <a:ext cx="0" cy="0"/>
+          <a:chOff x="0" y="0"/>
+          <a:chExt cx="0" cy="0"/>
+        </a:xfrm>
+      </p:grpSpPr>
+      <p:pic>
+        <p:nvPicPr>
+          <p:cNvPr id="4" name="그림 3"/>
+          <p:cNvPicPr>
+            <a:picLocks noChangeAspect="1"/>
+          </p:cNvPicPr>
+          <p:nvPr/>
+        </p:nvPicPr>
+        <p:blipFill>
+          <a:blip r:embed="rId2"/>
+          <a:stretch>
+            <a:fillRect/>
+          </a:stretch>
+        </p:blipFill>
+        <p:spPr>
+          <a:xfrm>
+            <a:off x="225085" y="229260"/>
+            <a:ext cx="7413672" cy="6383373"/>
+          </a:xfrm>
+          <a:prstGeom prst="rect">
+            <a:avLst/>
+          </a:prstGeom>
+          <a:ln w="38100" cap="sq">
+            <a:solidFill>
+              <a:srgbClr val="000000"/>
+            </a:solidFill>
+            <a:prstDash val="solid"/>
+            <a:miter lim="800000"/>
+          </a:ln>
+          <a:effectLst>
+            <a:outerShdw blurRad="50800" dist="38100" dir="2700000" algn="tl" rotWithShape="0">
+              <a:srgbClr val="000000">
+                <a:alpha val="43000"/>
+              </a:srgbClr>
+            </a:outerShdw>
+          </a:effectLst>
+        </p:spPr>
+      </p:pic>
+      <p:sp>
+        <p:nvSpPr>
+          <p:cNvPr id="5" name="TextBox 4"/>
+          <p:cNvSpPr txBox="1"/>
+          <p:nvPr/>
+        </p:nvSpPr>
+        <p:spPr>
+          <a:xfrm>
+            <a:off x="8721969" y="3236280"/>
+            <a:ext cx="2276585" cy="369332"/>
+          </a:xfrm>
+          <a:prstGeom prst="rect">
+            <a:avLst/>
+          </a:prstGeom>
+          <a:noFill/>
+        </p:spPr>
+        <p:txBody>
+          <a:bodyPr wrap="none" rtlCol="0">
+            <a:spAutoFit/>
+          </a:bodyPr>
+          <a:lstStyle/>
+          <a:p>
+            <a:r>
+              <a:rPr lang="ko-KR" altLang="en-US" dirty="0" smtClean="0"/>
+              <a:t>복습 후 페이지 확인</a:t>
+            </a:r>
+            <a:endParaRPr lang="ko-KR" altLang="en-US" dirty="0"/>
+          </a:p>
+        </p:txBody>
+      </p:sp>
+    </p:spTree>
+    <p:extLst>
+      <p:ext uri="{BB962C8B-B14F-4D97-AF65-F5344CB8AC3E}">
+        <p14:creationId xmlns:p14="http://schemas.microsoft.com/office/powerpoint/2010/main" val="2849442207"/>
+      </p:ext>
+    </p:extLst>
+  </p:cSld>
+  <p:clrMapOvr>
+    <a:masterClrMapping/>
+  </p:clrMapOvr>
+</p:sld>
+</file>
+
+<file path=ppt/slides/slide14.xml><?xml version="1.0" encoding="utf-8"?>
+<p:sld xmlns:a="http://schemas.openxmlformats.org/drawingml/2006/main" xmlns:r="http://schemas.openxmlformats.org/officeDocument/2006/relationships" xmlns:p="http://schemas.openxmlformats.org/presentationml/2006/main">
+  <p:cSld>
+    <p:spTree>
+      <p:nvGrpSpPr>
+        <p:cNvPr id="1" name=""/>
+        <p:cNvGrpSpPr/>
+        <p:nvPr/>
+      </p:nvGrpSpPr>
+      <p:grpSpPr>
+        <a:xfrm>
+          <a:off x="0" y="0"/>
+          <a:ext cx="0" cy="0"/>
+          <a:chOff x="0" y="0"/>
+          <a:chExt cx="0" cy="0"/>
+        </a:xfrm>
+      </p:grpSpPr>
+      <p:pic>
+        <p:nvPicPr>
+          <p:cNvPr id="4" name="그림 3"/>
+          <p:cNvPicPr>
+            <a:picLocks noChangeAspect="1"/>
+          </p:cNvPicPr>
+          <p:nvPr/>
+        </p:nvPicPr>
+        <p:blipFill>
+          <a:blip r:embed="rId2"/>
+          <a:stretch>
+            <a:fillRect/>
+          </a:stretch>
+        </p:blipFill>
+        <p:spPr>
+          <a:xfrm>
+            <a:off x="0" y="0"/>
+            <a:ext cx="6757836" cy="3502855"/>
+          </a:xfrm>
+          <a:prstGeom prst="rect">
+            <a:avLst/>
+          </a:prstGeom>
+        </p:spPr>
+      </p:pic>
+      <p:pic>
+        <p:nvPicPr>
+          <p:cNvPr id="5" name="그림 4"/>
+          <p:cNvPicPr>
+            <a:picLocks noChangeAspect="1"/>
+          </p:cNvPicPr>
+          <p:nvPr/>
+        </p:nvPicPr>
+        <p:blipFill>
+          <a:blip r:embed="rId3"/>
+          <a:stretch>
+            <a:fillRect/>
+          </a:stretch>
+        </p:blipFill>
+        <p:spPr>
+          <a:xfrm>
+            <a:off x="0" y="3502855"/>
+            <a:ext cx="6866719" cy="2152357"/>
+          </a:xfrm>
+          <a:prstGeom prst="rect">
+            <a:avLst/>
+          </a:prstGeom>
+          <a:ln w="38100" cap="sq">
+            <a:solidFill>
+              <a:srgbClr val="000000"/>
+            </a:solidFill>
+            <a:prstDash val="solid"/>
+            <a:miter lim="800000"/>
+          </a:ln>
+          <a:effectLst>
+            <a:outerShdw blurRad="50800" dist="38100" dir="2700000" algn="tl" rotWithShape="0">
+              <a:srgbClr val="000000">
+                <a:alpha val="43000"/>
+              </a:srgbClr>
+            </a:outerShdw>
+          </a:effectLst>
+        </p:spPr>
+      </p:pic>
+      <p:pic>
+        <p:nvPicPr>
+          <p:cNvPr id="6" name="그림 5"/>
+          <p:cNvPicPr>
+            <a:picLocks noChangeAspect="1"/>
+          </p:cNvPicPr>
+          <p:nvPr/>
+        </p:nvPicPr>
+        <p:blipFill>
+          <a:blip r:embed="rId4"/>
+          <a:stretch>
+            <a:fillRect/>
+          </a:stretch>
+        </p:blipFill>
+        <p:spPr>
+          <a:xfrm>
+            <a:off x="0" y="4713379"/>
+            <a:ext cx="6866720" cy="2144621"/>
+          </a:xfrm>
+          <a:prstGeom prst="rect">
+            <a:avLst/>
+          </a:prstGeom>
+          <a:ln w="38100" cap="sq">
+            <a:solidFill>
+              <a:srgbClr val="000000"/>
+            </a:solidFill>
+            <a:prstDash val="solid"/>
+            <a:miter lim="800000"/>
+          </a:ln>
+          <a:effectLst>
+            <a:outerShdw blurRad="50800" dist="38100" dir="2700000" algn="tl" rotWithShape="0">
+              <a:srgbClr val="000000">
+                <a:alpha val="43000"/>
+              </a:srgbClr>
+            </a:outerShdw>
+          </a:effectLst>
+        </p:spPr>
+      </p:pic>
+      <p:sp>
+        <p:nvSpPr>
+          <p:cNvPr id="7" name="직사각형 6"/>
+          <p:cNvSpPr/>
+          <p:nvPr/>
+        </p:nvSpPr>
+        <p:spPr>
+          <a:xfrm>
+            <a:off x="4459458" y="4698609"/>
+            <a:ext cx="829994" cy="239151"/>
+          </a:xfrm>
+          <a:prstGeom prst="rect">
+            <a:avLst/>
+          </a:prstGeom>
+          <a:noFill/>
+          <a:ln w="57150">
+            <a:solidFill>
+              <a:srgbClr val="FF0000"/>
+            </a:solidFill>
+          </a:ln>
+        </p:spPr>
+        <p:style>
+          <a:lnRef idx="2">
+            <a:schemeClr val="accent1">
+              <a:shade val="50000"/>
+            </a:schemeClr>
+          </a:lnRef>
+          <a:fillRef idx="1">
+            <a:schemeClr val="accent1"/>
+          </a:fillRef>
+          <a:effectRef idx="0">
+            <a:schemeClr val="accent1"/>
+          </a:effectRef>
+          <a:fontRef idx="minor">
+            <a:schemeClr val="lt1"/>
+          </a:fontRef>
+        </p:style>
+        <p:txBody>
+          <a:bodyPr rtlCol="0" anchor="ctr"/>
+          <a:lstStyle/>
+          <a:p>
+            <a:pPr algn="ctr"/>
+            <a:endParaRPr lang="ko-KR" altLang="en-US"/>
+          </a:p>
+        </p:txBody>
+      </p:sp>
+      <p:sp>
+        <p:nvSpPr>
+          <p:cNvPr id="8" name="직사각형 7"/>
+          <p:cNvSpPr/>
+          <p:nvPr/>
+        </p:nvSpPr>
+        <p:spPr>
+          <a:xfrm>
+            <a:off x="3784208" y="3495821"/>
+            <a:ext cx="829994" cy="239151"/>
+          </a:xfrm>
+          <a:prstGeom prst="rect">
+            <a:avLst/>
+          </a:prstGeom>
+          <a:noFill/>
+          <a:ln w="57150">
+            <a:solidFill>
+              <a:srgbClr val="FF0000"/>
+            </a:solidFill>
+          </a:ln>
+        </p:spPr>
+        <p:style>
+          <a:lnRef idx="2">
+            <a:schemeClr val="accent1">
+              <a:shade val="50000"/>
+            </a:schemeClr>
+          </a:lnRef>
+          <a:fillRef idx="1">
+            <a:schemeClr val="accent1"/>
+          </a:fillRef>
+          <a:effectRef idx="0">
+            <a:schemeClr val="accent1"/>
+          </a:effectRef>
+          <a:fontRef idx="minor">
+            <a:schemeClr val="lt1"/>
+          </a:fontRef>
+        </p:style>
+        <p:txBody>
+          <a:bodyPr rtlCol="0" anchor="ctr"/>
+          <a:lstStyle/>
+          <a:p>
+            <a:pPr algn="ctr"/>
+            <a:endParaRPr lang="ko-KR" altLang="en-US"/>
+          </a:p>
+        </p:txBody>
+      </p:sp>
+      <p:sp>
+        <p:nvSpPr>
+          <p:cNvPr id="9" name="직사각형 8"/>
+          <p:cNvSpPr/>
+          <p:nvPr/>
+        </p:nvSpPr>
+        <p:spPr>
+          <a:xfrm>
+            <a:off x="1842868" y="1969477"/>
+            <a:ext cx="2616590" cy="267286"/>
+          </a:xfrm>
+          <a:prstGeom prst="rect">
+            <a:avLst/>
+          </a:prstGeom>
+          <a:noFill/>
+          <a:ln w="57150">
+            <a:solidFill>
+              <a:srgbClr val="FF0000"/>
+            </a:solidFill>
+          </a:ln>
+        </p:spPr>
+        <p:style>
+          <a:lnRef idx="2">
+            <a:schemeClr val="accent1">
+              <a:shade val="50000"/>
+            </a:schemeClr>
+          </a:lnRef>
+          <a:fillRef idx="1">
+            <a:schemeClr val="accent1"/>
+          </a:fillRef>
+          <a:effectRef idx="0">
+            <a:schemeClr val="accent1"/>
+          </a:effectRef>
+          <a:fontRef idx="minor">
+            <a:schemeClr val="lt1"/>
+          </a:fontRef>
+        </p:style>
+        <p:txBody>
+          <a:bodyPr rtlCol="0" anchor="ctr"/>
+          <a:lstStyle/>
+          <a:p>
+            <a:pPr algn="ctr"/>
+            <a:endParaRPr lang="ko-KR" altLang="en-US"/>
+          </a:p>
+        </p:txBody>
+      </p:sp>
+      <p:sp>
+        <p:nvSpPr>
+          <p:cNvPr id="10" name="TextBox 9"/>
+          <p:cNvSpPr txBox="1"/>
+          <p:nvPr/>
+        </p:nvSpPr>
+        <p:spPr>
+          <a:xfrm>
+            <a:off x="8023929" y="3041190"/>
+            <a:ext cx="3203121" cy="923330"/>
+          </a:xfrm>
+          <a:prstGeom prst="rect">
+            <a:avLst/>
+          </a:prstGeom>
+          <a:noFill/>
+        </p:spPr>
+        <p:txBody>
+          <a:bodyPr wrap="none" rtlCol="0">
+            <a:spAutoFit/>
+          </a:bodyPr>
+          <a:lstStyle/>
+          <a:p>
+            <a:r>
+              <a:rPr lang="ko-KR" altLang="en-US" dirty="0" smtClean="0"/>
+              <a:t>미디어 쿼리에 대해 배움</a:t>
+            </a:r>
+            <a:endParaRPr lang="en-US" altLang="ko-KR" dirty="0" smtClean="0"/>
+          </a:p>
+          <a:p>
+            <a:r>
+              <a:rPr lang="en-US" altLang="ko-KR" dirty="0" smtClean="0"/>
+              <a:t>( </a:t>
+            </a:r>
+            <a:r>
+              <a:rPr lang="ko-KR" altLang="en-US" dirty="0" smtClean="0"/>
+              <a:t>화면의 다양성에 따라 화면 </a:t>
+            </a:r>
+            <a:endParaRPr lang="en-US" altLang="ko-KR" dirty="0" smtClean="0"/>
+          </a:p>
+          <a:p>
+            <a:r>
+              <a:rPr lang="ko-KR" altLang="en-US" dirty="0" smtClean="0"/>
+              <a:t>내용이 </a:t>
+            </a:r>
+            <a:r>
+              <a:rPr lang="ko-KR" altLang="en-US" dirty="0" err="1" smtClean="0"/>
+              <a:t>바뀌가</a:t>
+            </a:r>
+            <a:r>
+              <a:rPr lang="ko-KR" altLang="en-US" dirty="0" smtClean="0"/>
+              <a:t> 할 수 있다</a:t>
+            </a:r>
+            <a:r>
+              <a:rPr lang="en-US" altLang="ko-KR" dirty="0" smtClean="0"/>
+              <a:t>. )</a:t>
+            </a:r>
+            <a:endParaRPr lang="ko-KR" altLang="en-US" dirty="0"/>
+          </a:p>
+        </p:txBody>
+      </p:sp>
+    </p:spTree>
+    <p:extLst>
+      <p:ext uri="{BB962C8B-B14F-4D97-AF65-F5344CB8AC3E}">
+        <p14:creationId xmlns:p14="http://schemas.microsoft.com/office/powerpoint/2010/main" val="3568003377"/>
+      </p:ext>
+    </p:extLst>
+  </p:cSld>
+  <p:clrMapOvr>
+    <a:masterClrMapping/>
+  </p:clrMapOvr>
+</p:sld>
+</file>
+
+<file path=ppt/slides/slide15.xml><?xml version="1.0" encoding="utf-8"?>
+<p:sld xmlns:a="http://schemas.openxmlformats.org/drawingml/2006/main" xmlns:r="http://schemas.openxmlformats.org/officeDocument/2006/relationships" xmlns:p="http://schemas.openxmlformats.org/presentationml/2006/main">
+  <p:cSld>
+    <p:spTree>
+      <p:nvGrpSpPr>
+        <p:cNvPr id="1" name=""/>
+        <p:cNvGrpSpPr/>
+        <p:nvPr/>
+      </p:nvGrpSpPr>
+      <p:grpSpPr>
+        <a:xfrm>
+          <a:off x="0" y="0"/>
+          <a:ext cx="0" cy="0"/>
+          <a:chOff x="0" y="0"/>
+          <a:chExt cx="0" cy="0"/>
+        </a:xfrm>
+      </p:grpSpPr>
+      <p:pic>
+        <p:nvPicPr>
+          <p:cNvPr id="5" name="그림 4"/>
+          <p:cNvPicPr>
+            <a:picLocks noChangeAspect="1"/>
+          </p:cNvPicPr>
+          <p:nvPr/>
+        </p:nvPicPr>
+        <p:blipFill>
+          <a:blip r:embed="rId2"/>
+          <a:stretch>
+            <a:fillRect/>
+          </a:stretch>
+        </p:blipFill>
+        <p:spPr>
+          <a:xfrm>
+            <a:off x="534572" y="1544309"/>
+            <a:ext cx="6410325" cy="1800225"/>
+          </a:xfrm>
+          <a:prstGeom prst="rect">
+            <a:avLst/>
+          </a:prstGeom>
+        </p:spPr>
+      </p:pic>
+      <p:pic>
+        <p:nvPicPr>
+          <p:cNvPr id="6" name="그림 5"/>
+          <p:cNvPicPr>
+            <a:picLocks noChangeAspect="1"/>
+          </p:cNvPicPr>
+          <p:nvPr/>
+        </p:nvPicPr>
+        <p:blipFill>
+          <a:blip r:embed="rId3"/>
+          <a:stretch>
+            <a:fillRect/>
+          </a:stretch>
+        </p:blipFill>
+        <p:spPr>
+          <a:xfrm>
+            <a:off x="534572" y="3471143"/>
+            <a:ext cx="6420137" cy="1998052"/>
+          </a:xfrm>
+          <a:prstGeom prst="rect">
+            <a:avLst/>
+          </a:prstGeom>
+        </p:spPr>
+      </p:pic>
+      <p:sp>
+        <p:nvSpPr>
+          <p:cNvPr id="7" name="TextBox 6"/>
+          <p:cNvSpPr txBox="1"/>
+          <p:nvPr/>
+        </p:nvSpPr>
+        <p:spPr>
+          <a:xfrm>
+            <a:off x="8342141" y="3286477"/>
+            <a:ext cx="2789546" cy="369332"/>
+          </a:xfrm>
+          <a:prstGeom prst="rect">
+            <a:avLst/>
+          </a:prstGeom>
+          <a:noFill/>
+        </p:spPr>
+        <p:txBody>
+          <a:bodyPr wrap="none" rtlCol="0">
+            <a:spAutoFit/>
+          </a:bodyPr>
+          <a:lstStyle/>
+          <a:p>
+            <a:r>
+              <a:rPr lang="ko-KR" altLang="en-US" dirty="0" smtClean="0"/>
+              <a:t>중복 클래스</a:t>
+            </a:r>
+            <a:r>
+              <a:rPr lang="en-US" altLang="ko-KR" dirty="0" smtClean="0"/>
+              <a:t>,</a:t>
+            </a:r>
+            <a:r>
+              <a:rPr lang="ko-KR" altLang="en-US" dirty="0"/>
+              <a:t> </a:t>
+            </a:r>
+            <a:r>
+              <a:rPr lang="ko-KR" altLang="en-US" dirty="0" smtClean="0"/>
+              <a:t>아이디 정리</a:t>
+            </a:r>
+            <a:endParaRPr lang="ko-KR" altLang="en-US" dirty="0"/>
+          </a:p>
+        </p:txBody>
+      </p:sp>
+    </p:spTree>
+    <p:extLst>
+      <p:ext uri="{BB962C8B-B14F-4D97-AF65-F5344CB8AC3E}">
+        <p14:creationId xmlns:p14="http://schemas.microsoft.com/office/powerpoint/2010/main" val="573909349"/>
+      </p:ext>
+    </p:extLst>
+  </p:cSld>
+  <p:clrMapOvr>
+    <a:masterClrMapping/>
+  </p:clrMapOvr>
+</p:sld>
+</file>
+
+<file path=ppt/slides/slide16.xml><?xml version="1.0" encoding="utf-8"?>
+<p:sld xmlns:a="http://schemas.openxmlformats.org/drawingml/2006/main" xmlns:r="http://schemas.openxmlformats.org/officeDocument/2006/relationships" xmlns:p="http://schemas.openxmlformats.org/presentationml/2006/main">
+  <p:cSld>
+    <p:spTree>
+      <p:nvGrpSpPr>
+        <p:cNvPr id="1" name=""/>
+        <p:cNvGrpSpPr/>
+        <p:nvPr/>
+      </p:nvGrpSpPr>
+      <p:grpSpPr>
+        <a:xfrm>
+          <a:off x="0" y="0"/>
+          <a:ext cx="0" cy="0"/>
+          <a:chOff x="0" y="0"/>
+          <a:chExt cx="0" cy="0"/>
+        </a:xfrm>
+      </p:grpSpPr>
+      <p:pic>
+        <p:nvPicPr>
+          <p:cNvPr id="4" name="그림 3"/>
+          <p:cNvPicPr>
+            <a:picLocks noChangeAspect="1"/>
+          </p:cNvPicPr>
+          <p:nvPr/>
+        </p:nvPicPr>
+        <p:blipFill>
+          <a:blip r:embed="rId2"/>
+          <a:stretch>
+            <a:fillRect/>
+          </a:stretch>
+        </p:blipFill>
+        <p:spPr>
+          <a:xfrm>
+            <a:off x="1044601" y="344585"/>
+            <a:ext cx="10406502" cy="4622875"/>
+          </a:xfrm>
+          <a:prstGeom prst="rect">
+            <a:avLst/>
+          </a:prstGeom>
+        </p:spPr>
+      </p:pic>
+      <p:sp>
+        <p:nvSpPr>
+          <p:cNvPr id="5" name="TextBox 4"/>
+          <p:cNvSpPr txBox="1"/>
+          <p:nvPr/>
+        </p:nvSpPr>
+        <p:spPr>
+          <a:xfrm>
+            <a:off x="3071245" y="5669281"/>
+            <a:ext cx="6353214" cy="369332"/>
+          </a:xfrm>
+          <a:prstGeom prst="rect">
+            <a:avLst/>
+          </a:prstGeom>
+          <a:noFill/>
+        </p:spPr>
+        <p:txBody>
+          <a:bodyPr wrap="none" rtlCol="0">
+            <a:spAutoFit/>
+          </a:bodyPr>
+          <a:lstStyle/>
+          <a:p>
+            <a:r>
+              <a:rPr lang="en-US" altLang="ko-KR" dirty="0" smtClean="0"/>
+              <a:t>650px </a:t>
+            </a:r>
+            <a:r>
+              <a:rPr lang="ko-KR" altLang="en-US" dirty="0" err="1" smtClean="0"/>
+              <a:t>이하일때</a:t>
+            </a:r>
+            <a:r>
+              <a:rPr lang="ko-KR" altLang="en-US" dirty="0" smtClean="0"/>
+              <a:t> 반응하여</a:t>
+            </a:r>
+            <a:r>
+              <a:rPr lang="en-US" altLang="ko-KR" dirty="0" smtClean="0"/>
+              <a:t>(</a:t>
+            </a:r>
+            <a:r>
+              <a:rPr lang="ko-KR" altLang="en-US" dirty="0" smtClean="0"/>
+              <a:t>미디어 쿼리</a:t>
+            </a:r>
+            <a:r>
+              <a:rPr lang="en-US" altLang="ko-KR" dirty="0" smtClean="0"/>
+              <a:t>)</a:t>
+            </a:r>
+            <a:r>
+              <a:rPr lang="ko-KR" altLang="en-US" dirty="0" smtClean="0"/>
+              <a:t> 아래로 내리기 완성</a:t>
+            </a:r>
+            <a:r>
+              <a:rPr lang="en-US" altLang="ko-KR" dirty="0" smtClean="0"/>
+              <a:t>!</a:t>
+            </a:r>
+            <a:endParaRPr lang="ko-KR" altLang="en-US" dirty="0"/>
+          </a:p>
+        </p:txBody>
+      </p:sp>
+    </p:spTree>
+    <p:extLst>
+      <p:ext uri="{BB962C8B-B14F-4D97-AF65-F5344CB8AC3E}">
+        <p14:creationId xmlns:p14="http://schemas.microsoft.com/office/powerpoint/2010/main" val="1653535815"/>
+      </p:ext>
+    </p:extLst>
+  </p:cSld>
+  <p:clrMapOvr>
+    <a:masterClrMapping/>
+  </p:clrMapOvr>
+</p:sld>
+</file>
+
+<file path=ppt/slides/slide17.xml><?xml version="1.0" encoding="utf-8"?>
+<p:sld xmlns:a="http://schemas.openxmlformats.org/drawingml/2006/main" xmlns:r="http://schemas.openxmlformats.org/officeDocument/2006/relationships" xmlns:p="http://schemas.openxmlformats.org/presentationml/2006/main">
+  <p:cSld>
+    <p:spTree>
+      <p:nvGrpSpPr>
+        <p:cNvPr id="1" name=""/>
+        <p:cNvGrpSpPr/>
+        <p:nvPr/>
+      </p:nvGrpSpPr>
+      <p:grpSpPr>
+        <a:xfrm>
+          <a:off x="0" y="0"/>
+          <a:ext cx="0" cy="0"/>
+          <a:chOff x="0" y="0"/>
+          <a:chExt cx="0" cy="0"/>
+        </a:xfrm>
+      </p:grpSpPr>
+      <p:pic>
+        <p:nvPicPr>
+          <p:cNvPr id="4" name="그림 3"/>
+          <p:cNvPicPr>
+            <a:picLocks noChangeAspect="1"/>
+          </p:cNvPicPr>
+          <p:nvPr/>
+        </p:nvPicPr>
+        <p:blipFill>
+          <a:blip r:embed="rId2"/>
+          <a:stretch>
+            <a:fillRect/>
+          </a:stretch>
+        </p:blipFill>
+        <p:spPr>
+          <a:xfrm>
+            <a:off x="376238" y="182513"/>
+            <a:ext cx="6629400" cy="6296025"/>
+          </a:xfrm>
+          <a:prstGeom prst="rect">
+            <a:avLst/>
+          </a:prstGeom>
+        </p:spPr>
+      </p:pic>
+      <p:pic>
+        <p:nvPicPr>
+          <p:cNvPr id="5" name="그림 4"/>
+          <p:cNvPicPr>
+            <a:picLocks noChangeAspect="1"/>
+          </p:cNvPicPr>
+          <p:nvPr/>
+        </p:nvPicPr>
+        <p:blipFill>
+          <a:blip r:embed="rId3"/>
+          <a:stretch>
+            <a:fillRect/>
+          </a:stretch>
+        </p:blipFill>
+        <p:spPr>
+          <a:xfrm>
+            <a:off x="7629525" y="-65575"/>
+            <a:ext cx="3562350" cy="5676900"/>
+          </a:xfrm>
+          <a:prstGeom prst="rect">
+            <a:avLst/>
+          </a:prstGeom>
+        </p:spPr>
+      </p:pic>
+      <p:pic>
+        <p:nvPicPr>
+          <p:cNvPr id="6" name="그림 5"/>
+          <p:cNvPicPr>
+            <a:picLocks noChangeAspect="1"/>
+          </p:cNvPicPr>
+          <p:nvPr/>
+        </p:nvPicPr>
+        <p:blipFill>
+          <a:blip r:embed="rId4"/>
+          <a:stretch>
+            <a:fillRect/>
+          </a:stretch>
+        </p:blipFill>
+        <p:spPr>
+          <a:xfrm>
+            <a:off x="6381750" y="5611325"/>
+            <a:ext cx="5810250" cy="1171575"/>
+          </a:xfrm>
+          <a:prstGeom prst="rect">
+            <a:avLst/>
+          </a:prstGeom>
+        </p:spPr>
+      </p:pic>
+      <p:sp>
+        <p:nvSpPr>
+          <p:cNvPr id="7" name="TextBox 6"/>
+          <p:cNvSpPr txBox="1"/>
+          <p:nvPr/>
+        </p:nvSpPr>
+        <p:spPr>
+          <a:xfrm>
+            <a:off x="118246" y="7005711"/>
+            <a:ext cx="12073754" cy="1477328"/>
+          </a:xfrm>
+          <a:prstGeom prst="rect">
+            <a:avLst/>
+          </a:prstGeom>
+          <a:noFill/>
+        </p:spPr>
+        <p:txBody>
+          <a:bodyPr wrap="none" rtlCol="0">
+            <a:spAutoFit/>
+          </a:bodyPr>
+          <a:lstStyle/>
+          <a:p>
+            <a:r>
+              <a:rPr lang="en-US" altLang="ko-KR" dirty="0" smtClean="0"/>
+              <a:t>Position</a:t>
+            </a:r>
+            <a:r>
+              <a:rPr lang="ko-KR" altLang="en-US" dirty="0" smtClean="0"/>
+              <a:t>을 처음 배우게 </a:t>
+            </a:r>
+            <a:r>
+              <a:rPr lang="ko-KR" altLang="en-US" dirty="0" err="1" smtClean="0"/>
+              <a:t>됬다</a:t>
+            </a:r>
+            <a:r>
+              <a:rPr lang="en-US" altLang="ko-KR" dirty="0" smtClean="0"/>
+              <a:t>.</a:t>
+            </a:r>
+          </a:p>
+          <a:p>
+            <a:r>
+              <a:rPr lang="en-US" altLang="ko-KR" dirty="0" smtClean="0"/>
+              <a:t>Relative</a:t>
+            </a:r>
+            <a:r>
+              <a:rPr lang="ko-KR" altLang="en-US" dirty="0" smtClean="0"/>
+              <a:t>범위를 잘 몰라서 </a:t>
+            </a:r>
+            <a:r>
+              <a:rPr lang="en-US" altLang="ko-KR" dirty="0" smtClean="0"/>
+              <a:t>Black(</a:t>
+            </a:r>
+            <a:r>
+              <a:rPr lang="ko-KR" altLang="en-US" dirty="0" smtClean="0"/>
+              <a:t>단순히 검정 사진</a:t>
+            </a:r>
+            <a:r>
+              <a:rPr lang="en-US" altLang="ko-KR" dirty="0" smtClean="0"/>
+              <a:t>)</a:t>
+            </a:r>
+            <a:r>
+              <a:rPr lang="ko-KR" altLang="en-US" dirty="0" smtClean="0"/>
+              <a:t>을 기준으로 잡고</a:t>
+            </a:r>
+            <a:endParaRPr lang="en-US" altLang="ko-KR" dirty="0" smtClean="0"/>
+          </a:p>
+          <a:p>
+            <a:endParaRPr lang="en-US" altLang="ko-KR" dirty="0" smtClean="0"/>
+          </a:p>
+          <a:p>
+            <a:r>
+              <a:rPr lang="ko-KR" altLang="en-US" dirty="0" smtClean="0"/>
+              <a:t>사진을 넣고 </a:t>
+            </a:r>
+            <a:r>
+              <a:rPr lang="en-US" altLang="ko-KR" dirty="0" smtClean="0"/>
+              <a:t>absolute</a:t>
+            </a:r>
+            <a:r>
+              <a:rPr lang="ko-KR" altLang="en-US" dirty="0" smtClean="0"/>
+              <a:t>로 겹쳐준 다음 다시 </a:t>
+            </a:r>
+            <a:r>
+              <a:rPr lang="en-US" altLang="ko-KR" dirty="0" smtClean="0"/>
+              <a:t>Black</a:t>
+            </a:r>
+            <a:r>
+              <a:rPr lang="ko-KR" altLang="en-US" dirty="0" smtClean="0"/>
+              <a:t>사진을 가져와 명도 조절을 </a:t>
+            </a:r>
+            <a:r>
+              <a:rPr lang="en-US" altLang="ko-KR" dirty="0" smtClean="0"/>
+              <a:t>opacity(</a:t>
+            </a:r>
+            <a:r>
+              <a:rPr lang="ko-KR" altLang="en-US" dirty="0" smtClean="0"/>
+              <a:t>투명도</a:t>
+            </a:r>
+            <a:r>
+              <a:rPr lang="en-US" altLang="ko-KR" dirty="0" smtClean="0"/>
+              <a:t>)</a:t>
+            </a:r>
+            <a:r>
+              <a:rPr lang="ko-KR" altLang="en-US" dirty="0" smtClean="0"/>
+              <a:t>기능을 통해 </a:t>
+            </a:r>
+            <a:r>
+              <a:rPr lang="ko-KR" altLang="en-US" dirty="0" err="1" smtClean="0"/>
+              <a:t>해주어봤다</a:t>
+            </a:r>
+            <a:r>
+              <a:rPr lang="en-US" altLang="ko-KR" dirty="0" smtClean="0"/>
+              <a:t>.</a:t>
+            </a:r>
+          </a:p>
+          <a:p>
+            <a:r>
+              <a:rPr lang="ko-KR" altLang="en-US" dirty="0" smtClean="0"/>
+              <a:t>텍스트는 </a:t>
+            </a:r>
+            <a:r>
+              <a:rPr lang="ko-KR" altLang="en-US" dirty="0" err="1" smtClean="0"/>
+              <a:t>명도조절</a:t>
+            </a:r>
+            <a:r>
+              <a:rPr lang="ko-KR" altLang="en-US" dirty="0" smtClean="0"/>
+              <a:t> 영향을 안받게 </a:t>
+            </a:r>
+            <a:r>
+              <a:rPr lang="en-US" altLang="ko-KR" dirty="0" smtClean="0"/>
+              <a:t>z-index</a:t>
+            </a:r>
+            <a:r>
+              <a:rPr lang="ko-KR" altLang="en-US" dirty="0" smtClean="0"/>
+              <a:t>기능으로 맨 앞으로 가져왔다</a:t>
+            </a:r>
+            <a:r>
+              <a:rPr lang="en-US" altLang="ko-KR" dirty="0" smtClean="0"/>
+              <a:t>.</a:t>
+            </a:r>
+          </a:p>
+        </p:txBody>
+      </p:sp>
+    </p:spTree>
+    <p:extLst>
+      <p:ext uri="{BB962C8B-B14F-4D97-AF65-F5344CB8AC3E}">
+        <p14:creationId xmlns:p14="http://schemas.microsoft.com/office/powerpoint/2010/main" val="2592100000"/>
+      </p:ext>
+    </p:extLst>
+  </p:cSld>
+  <p:clrMapOvr>
+    <a:masterClrMapping/>
+  </p:clrMapOvr>
+</p:sld>
+</file>
+
+<file path=ppt/slides/slide18.xml><?xml version="1.0" encoding="utf-8"?>
+<p:sld xmlns:a="http://schemas.openxmlformats.org/drawingml/2006/main" xmlns:r="http://schemas.openxmlformats.org/officeDocument/2006/relationships" xmlns:p="http://schemas.openxmlformats.org/presentationml/2006/main">
+  <p:cSld>
+    <p:spTree>
+      <p:nvGrpSpPr>
+        <p:cNvPr id="1" name=""/>
+        <p:cNvGrpSpPr/>
+        <p:nvPr/>
+      </p:nvGrpSpPr>
+      <p:grpSpPr>
+        <a:xfrm>
+          <a:off x="0" y="0"/>
+          <a:ext cx="0" cy="0"/>
+          <a:chOff x="0" y="0"/>
+          <a:chExt cx="0" cy="0"/>
+        </a:xfrm>
+      </p:grpSpPr>
+      <p:pic>
+        <p:nvPicPr>
+          <p:cNvPr id="4" name="그림 3"/>
+          <p:cNvPicPr>
+            <a:picLocks noChangeAspect="1"/>
+          </p:cNvPicPr>
+          <p:nvPr/>
+        </p:nvPicPr>
+        <p:blipFill>
+          <a:blip r:embed="rId2"/>
+          <a:stretch>
+            <a:fillRect/>
+          </a:stretch>
+        </p:blipFill>
+        <p:spPr>
+          <a:xfrm>
+            <a:off x="0" y="1"/>
+            <a:ext cx="6548405" cy="6858000"/>
+          </a:xfrm>
+          <a:prstGeom prst="rect">
+            <a:avLst/>
+          </a:prstGeom>
+        </p:spPr>
+      </p:pic>
+      <p:sp>
+        <p:nvSpPr>
+          <p:cNvPr id="5" name="TextBox 4"/>
+          <p:cNvSpPr txBox="1"/>
+          <p:nvPr/>
+        </p:nvSpPr>
+        <p:spPr>
+          <a:xfrm>
+            <a:off x="6850966" y="2782670"/>
+            <a:ext cx="4666662" cy="646331"/>
+          </a:xfrm>
+          <a:prstGeom prst="rect">
+            <a:avLst/>
+          </a:prstGeom>
+          <a:noFill/>
+        </p:spPr>
+        <p:txBody>
+          <a:bodyPr wrap="none" rtlCol="0">
+            <a:spAutoFit/>
+          </a:bodyPr>
+          <a:lstStyle/>
+          <a:p>
+            <a:r>
+              <a:rPr lang="ko-KR" altLang="en-US" dirty="0" smtClean="0"/>
+              <a:t>사이트에 자주 등장한다는 페이드인 기능도</a:t>
+            </a:r>
+            <a:endParaRPr lang="en-US" altLang="ko-KR" dirty="0" smtClean="0"/>
+          </a:p>
+          <a:p>
+            <a:r>
+              <a:rPr lang="ko-KR" altLang="en-US" dirty="0" smtClean="0"/>
+              <a:t>검색을 통해 만들어진 것을 넣어 봤다</a:t>
+            </a:r>
+            <a:r>
+              <a:rPr lang="en-US" altLang="ko-KR" dirty="0" smtClean="0"/>
+              <a:t>.</a:t>
+            </a:r>
+            <a:endParaRPr lang="ko-KR" altLang="en-US" dirty="0"/>
+          </a:p>
+        </p:txBody>
+      </p:sp>
+      <p:sp>
+        <p:nvSpPr>
+          <p:cNvPr id="6" name="TextBox 5"/>
+          <p:cNvSpPr txBox="1"/>
+          <p:nvPr/>
+        </p:nvSpPr>
+        <p:spPr>
+          <a:xfrm>
+            <a:off x="6422964" y="3995225"/>
+            <a:ext cx="5522666" cy="369332"/>
+          </a:xfrm>
+          <a:prstGeom prst="rect">
+            <a:avLst/>
+          </a:prstGeom>
+          <a:noFill/>
+        </p:spPr>
+        <p:txBody>
+          <a:bodyPr wrap="none" rtlCol="0">
+            <a:spAutoFit/>
+          </a:bodyPr>
+          <a:lstStyle/>
+          <a:p>
+            <a:r>
+              <a:rPr lang="ko-KR" altLang="en-US" dirty="0" smtClean="0"/>
+              <a:t>나중에는 </a:t>
+            </a:r>
+            <a:r>
+              <a:rPr lang="ko-KR" altLang="en-US" dirty="0" err="1" smtClean="0"/>
+              <a:t>메뉴별로</a:t>
+            </a:r>
+            <a:r>
+              <a:rPr lang="ko-KR" altLang="en-US" dirty="0" smtClean="0"/>
+              <a:t> 천천히 페이드인으로 해볼 예정</a:t>
+            </a:r>
+            <a:r>
+              <a:rPr lang="en-US" altLang="ko-KR" dirty="0" smtClean="0"/>
+              <a:t>.</a:t>
+            </a:r>
+            <a:endParaRPr lang="ko-KR" altLang="en-US" dirty="0"/>
+          </a:p>
+        </p:txBody>
+      </p:sp>
+    </p:spTree>
+    <p:extLst>
+      <p:ext uri="{BB962C8B-B14F-4D97-AF65-F5344CB8AC3E}">
+        <p14:creationId xmlns:p14="http://schemas.microsoft.com/office/powerpoint/2010/main" val="2115095632"/>
+      </p:ext>
+    </p:extLst>
+  </p:cSld>
+  <p:clrMapOvr>
+    <a:masterClrMapping/>
+  </p:clrMapOvr>
+</p:sld>
+</file>
+
 <file path=ppt/slides/slide2.xml><?xml version="1.0" encoding="utf-8"?>
 <p:sld xmlns:a="http://schemas.openxmlformats.org/drawingml/2006/main" xmlns:r="http://schemas.openxmlformats.org/officeDocument/2006/relationships" xmlns:p="http://schemas.openxmlformats.org/presentationml/2006/main">
   <p:cSld>

--- a/일지.pptx
+++ b/일지.pptx
@@ -23,6 +23,11 @@
     <p:sldId id="271" r:id="rId17"/>
     <p:sldId id="272" r:id="rId18"/>
     <p:sldId id="273" r:id="rId19"/>
+    <p:sldId id="274" r:id="rId20"/>
+    <p:sldId id="275" r:id="rId21"/>
+    <p:sldId id="276" r:id="rId22"/>
+    <p:sldId id="277" r:id="rId23"/>
+    <p:sldId id="278" r:id="rId24"/>
   </p:sldIdLst>
   <p:sldSz cx="12192000" cy="6858000"/>
   <p:notesSz cx="6858000" cy="9144000"/>
@@ -166,6 +171,19 @@
             <p14:sldId id="273"/>
           </p14:sldIdLst>
         </p14:section>
+        <p14:section name="21-04-05(출근전)" id="{2FC76FEA-080A-44AD-9C68-4EF7EEBBFAA2}">
+          <p14:sldIdLst>
+            <p14:sldId id="274"/>
+            <p14:sldId id="275"/>
+            <p14:sldId id="276"/>
+          </p14:sldIdLst>
+        </p14:section>
+        <p14:section name="21-04-05(퇴근후)" id="{39CA30C4-C285-4EB0-B4FF-3973FE166193}">
+          <p14:sldIdLst>
+            <p14:sldId id="277"/>
+            <p14:sldId id="278"/>
+          </p14:sldIdLst>
+        </p14:section>
       </p14:sectionLst>
     </p:ext>
     <p:ext uri="{EFAFB233-063F-42B5-8137-9DF3F51BA10A}">
@@ -306,7 +324,7 @@
           <a:p>
             <a:fld id="{1EFE1532-6FDF-40EF-BA9A-F16E17740707}" type="datetimeFigureOut">
               <a:rPr lang="ko-KR" altLang="en-US" smtClean="0"/>
-              <a:t>2021-04-04</a:t>
+              <a:t>2021-04-05</a:t>
             </a:fld>
             <a:endParaRPr lang="ko-KR" altLang="en-US"/>
           </a:p>
@@ -476,7 +494,7 @@
           <a:p>
             <a:fld id="{1EFE1532-6FDF-40EF-BA9A-F16E17740707}" type="datetimeFigureOut">
               <a:rPr lang="ko-KR" altLang="en-US" smtClean="0"/>
-              <a:t>2021-04-04</a:t>
+              <a:t>2021-04-05</a:t>
             </a:fld>
             <a:endParaRPr lang="ko-KR" altLang="en-US"/>
           </a:p>
@@ -656,7 +674,7 @@
           <a:p>
             <a:fld id="{1EFE1532-6FDF-40EF-BA9A-F16E17740707}" type="datetimeFigureOut">
               <a:rPr lang="ko-KR" altLang="en-US" smtClean="0"/>
-              <a:t>2021-04-04</a:t>
+              <a:t>2021-04-05</a:t>
             </a:fld>
             <a:endParaRPr lang="ko-KR" altLang="en-US"/>
           </a:p>
@@ -826,7 +844,7 @@
           <a:p>
             <a:fld id="{1EFE1532-6FDF-40EF-BA9A-F16E17740707}" type="datetimeFigureOut">
               <a:rPr lang="ko-KR" altLang="en-US" smtClean="0"/>
-              <a:t>2021-04-04</a:t>
+              <a:t>2021-04-05</a:t>
             </a:fld>
             <a:endParaRPr lang="ko-KR" altLang="en-US"/>
           </a:p>
@@ -1072,7 +1090,7 @@
           <a:p>
             <a:fld id="{1EFE1532-6FDF-40EF-BA9A-F16E17740707}" type="datetimeFigureOut">
               <a:rPr lang="ko-KR" altLang="en-US" smtClean="0"/>
-              <a:t>2021-04-04</a:t>
+              <a:t>2021-04-05</a:t>
             </a:fld>
             <a:endParaRPr lang="ko-KR" altLang="en-US"/>
           </a:p>
@@ -1304,7 +1322,7 @@
           <a:p>
             <a:fld id="{1EFE1532-6FDF-40EF-BA9A-F16E17740707}" type="datetimeFigureOut">
               <a:rPr lang="ko-KR" altLang="en-US" smtClean="0"/>
-              <a:t>2021-04-04</a:t>
+              <a:t>2021-04-05</a:t>
             </a:fld>
             <a:endParaRPr lang="ko-KR" altLang="en-US"/>
           </a:p>
@@ -1671,7 +1689,7 @@
           <a:p>
             <a:fld id="{1EFE1532-6FDF-40EF-BA9A-F16E17740707}" type="datetimeFigureOut">
               <a:rPr lang="ko-KR" altLang="en-US" smtClean="0"/>
-              <a:t>2021-04-04</a:t>
+              <a:t>2021-04-05</a:t>
             </a:fld>
             <a:endParaRPr lang="ko-KR" altLang="en-US"/>
           </a:p>
@@ -1789,7 +1807,7 @@
           <a:p>
             <a:fld id="{1EFE1532-6FDF-40EF-BA9A-F16E17740707}" type="datetimeFigureOut">
               <a:rPr lang="ko-KR" altLang="en-US" smtClean="0"/>
-              <a:t>2021-04-04</a:t>
+              <a:t>2021-04-05</a:t>
             </a:fld>
             <a:endParaRPr lang="ko-KR" altLang="en-US"/>
           </a:p>
@@ -1884,7 +1902,7 @@
           <a:p>
             <a:fld id="{1EFE1532-6FDF-40EF-BA9A-F16E17740707}" type="datetimeFigureOut">
               <a:rPr lang="ko-KR" altLang="en-US" smtClean="0"/>
-              <a:t>2021-04-04</a:t>
+              <a:t>2021-04-05</a:t>
             </a:fld>
             <a:endParaRPr lang="ko-KR" altLang="en-US"/>
           </a:p>
@@ -2161,7 +2179,7 @@
           <a:p>
             <a:fld id="{1EFE1532-6FDF-40EF-BA9A-F16E17740707}" type="datetimeFigureOut">
               <a:rPr lang="ko-KR" altLang="en-US" smtClean="0"/>
-              <a:t>2021-04-04</a:t>
+              <a:t>2021-04-05</a:t>
             </a:fld>
             <a:endParaRPr lang="ko-KR" altLang="en-US"/>
           </a:p>
@@ -2414,7 +2432,7 @@
           <a:p>
             <a:fld id="{1EFE1532-6FDF-40EF-BA9A-F16E17740707}" type="datetimeFigureOut">
               <a:rPr lang="ko-KR" altLang="en-US" smtClean="0"/>
-              <a:t>2021-04-04</a:t>
+              <a:t>2021-04-05</a:t>
             </a:fld>
             <a:endParaRPr lang="ko-KR" altLang="en-US"/>
           </a:p>
@@ -2627,7 +2645,7 @@
           <a:p>
             <a:fld id="{1EFE1532-6FDF-40EF-BA9A-F16E17740707}" type="datetimeFigureOut">
               <a:rPr lang="ko-KR" altLang="en-US" smtClean="0"/>
-              <a:t>2021-04-04</a:t>
+              <a:t>2021-04-05</a:t>
             </a:fld>
             <a:endParaRPr lang="ko-KR" altLang="en-US"/>
           </a:p>
@@ -4536,7 +4554,7 @@
         <p:spPr>
           <a:xfrm>
             <a:off x="118246" y="7005711"/>
-            <a:ext cx="12073754" cy="1477328"/>
+            <a:ext cx="11842922" cy="2031325"/>
           </a:xfrm>
           <a:prstGeom prst="rect">
             <a:avLst/>
@@ -4573,7 +4591,7 @@
             </a:r>
             <a:r>
               <a:rPr lang="ko-KR" altLang="en-US" dirty="0" smtClean="0"/>
-              <a:t>범위를 잘 몰라서 </a:t>
+              <a:t>범위를 몰라서 </a:t>
             </a:r>
             <a:r>
               <a:rPr lang="en-US" altLang="ko-KR" dirty="0" smtClean="0"/>
@@ -4631,11 +4649,7 @@
             </a:r>
             <a:r>
               <a:rPr lang="ko-KR" altLang="en-US" dirty="0" smtClean="0"/>
-              <a:t>기능을 통해 </a:t>
-            </a:r>
-            <a:r>
-              <a:rPr lang="ko-KR" altLang="en-US" dirty="0" err="1" smtClean="0"/>
-              <a:t>해주어봤다</a:t>
+              <a:t>기능을 통해 해주었다</a:t>
             </a:r>
             <a:r>
               <a:rPr lang="en-US" altLang="ko-KR" dirty="0" smtClean="0"/>
@@ -4645,15 +4659,7 @@
           <a:p>
             <a:r>
               <a:rPr lang="ko-KR" altLang="en-US" dirty="0" smtClean="0"/>
-              <a:t>텍스트는 </a:t>
-            </a:r>
-            <a:r>
-              <a:rPr lang="ko-KR" altLang="en-US" dirty="0" err="1" smtClean="0"/>
-              <a:t>명도조절</a:t>
-            </a:r>
-            <a:r>
-              <a:rPr lang="ko-KR" altLang="en-US" dirty="0" smtClean="0"/>
-              <a:t> 영향을 안받게 </a:t>
+              <a:t>텍스트는 명도 조절 영향을 안받게 </a:t>
             </a:r>
             <a:r>
               <a:rPr lang="en-US" altLang="ko-KR" dirty="0" smtClean="0"/>
@@ -4667,6 +4673,20 @@
               <a:rPr lang="en-US" altLang="ko-KR" dirty="0" smtClean="0"/>
               <a:t>.</a:t>
             </a:r>
+          </a:p>
+          <a:p>
+            <a:endParaRPr lang="en-US" altLang="ko-KR" dirty="0"/>
+          </a:p>
+          <a:p>
+            <a:r>
+              <a:rPr lang="ko-KR" altLang="en-US" dirty="0" smtClean="0"/>
+              <a:t>참고 영상 </a:t>
+            </a:r>
+            <a:r>
+              <a:rPr lang="en-US" altLang="ko-KR" dirty="0"/>
+              <a:t>: https://youtu.be/gdo-KlJZ7u0</a:t>
+            </a:r>
+            <a:endParaRPr lang="en-US" altLang="ko-KR" dirty="0" smtClean="0"/>
           </a:p>
         </p:txBody>
       </p:sp>
@@ -4820,6 +4840,117 @@
 </p:sld>
 </file>
 
+<file path=ppt/slides/slide19.xml><?xml version="1.0" encoding="utf-8"?>
+<p:sld xmlns:a="http://schemas.openxmlformats.org/drawingml/2006/main" xmlns:r="http://schemas.openxmlformats.org/officeDocument/2006/relationships" xmlns:p="http://schemas.openxmlformats.org/presentationml/2006/main">
+  <p:cSld>
+    <p:spTree>
+      <p:nvGrpSpPr>
+        <p:cNvPr id="1" name=""/>
+        <p:cNvGrpSpPr/>
+        <p:nvPr/>
+      </p:nvGrpSpPr>
+      <p:grpSpPr>
+        <a:xfrm>
+          <a:off x="0" y="0"/>
+          <a:ext cx="0" cy="0"/>
+          <a:chOff x="0" y="0"/>
+          <a:chExt cx="0" cy="0"/>
+        </a:xfrm>
+      </p:grpSpPr>
+      <p:pic>
+        <p:nvPicPr>
+          <p:cNvPr id="4" name="그림 3"/>
+          <p:cNvPicPr>
+            <a:picLocks noChangeAspect="1"/>
+          </p:cNvPicPr>
+          <p:nvPr/>
+        </p:nvPicPr>
+        <p:blipFill>
+          <a:blip r:embed="rId2"/>
+          <a:stretch>
+            <a:fillRect/>
+          </a:stretch>
+        </p:blipFill>
+        <p:spPr>
+          <a:xfrm>
+            <a:off x="335569" y="307522"/>
+            <a:ext cx="7306742" cy="6093277"/>
+          </a:xfrm>
+          <a:prstGeom prst="rect">
+            <a:avLst/>
+          </a:prstGeom>
+        </p:spPr>
+      </p:pic>
+      <p:sp>
+        <p:nvSpPr>
+          <p:cNvPr id="5" name="TextBox 4"/>
+          <p:cNvSpPr txBox="1"/>
+          <p:nvPr/>
+        </p:nvSpPr>
+        <p:spPr>
+          <a:xfrm>
+            <a:off x="7937500" y="3263900"/>
+            <a:ext cx="5909631" cy="646331"/>
+          </a:xfrm>
+          <a:prstGeom prst="rect">
+            <a:avLst/>
+          </a:prstGeom>
+          <a:noFill/>
+        </p:spPr>
+        <p:txBody>
+          <a:bodyPr wrap="none" rtlCol="0">
+            <a:spAutoFit/>
+          </a:bodyPr>
+          <a:lstStyle/>
+          <a:p>
+            <a:r>
+              <a:rPr lang="ko-KR" altLang="en-US" dirty="0" smtClean="0"/>
+              <a:t>레시피 정리</a:t>
+            </a:r>
+            <a:r>
+              <a:rPr lang="en-US" altLang="ko-KR" dirty="0" smtClean="0"/>
+              <a:t>, coffee.html</a:t>
+            </a:r>
+            <a:r>
+              <a:rPr lang="ko-KR" altLang="en-US" dirty="0" smtClean="0"/>
+              <a:t>과 </a:t>
+            </a:r>
+            <a:r>
+              <a:rPr lang="en-US" altLang="ko-KR" dirty="0" smtClean="0"/>
+              <a:t>noncoffee.html </a:t>
+            </a:r>
+            <a:r>
+              <a:rPr lang="ko-KR" altLang="en-US" dirty="0" smtClean="0"/>
+              <a:t>사이트 수정</a:t>
+            </a:r>
+            <a:endParaRPr lang="en-US" altLang="ko-KR" dirty="0" smtClean="0"/>
+          </a:p>
+          <a:p>
+            <a:r>
+              <a:rPr lang="en-US" altLang="ko-KR" dirty="0" smtClean="0"/>
+              <a:t>CSS</a:t>
+            </a:r>
+            <a:r>
+              <a:rPr lang="ko-KR" altLang="en-US" dirty="0" smtClean="0"/>
+              <a:t>파일 정리</a:t>
+            </a:r>
+            <a:endParaRPr lang="ko-KR" altLang="en-US" dirty="0"/>
+          </a:p>
+        </p:txBody>
+      </p:sp>
+    </p:spTree>
+    <p:extLst>
+      <p:ext uri="{BB962C8B-B14F-4D97-AF65-F5344CB8AC3E}">
+        <p14:creationId xmlns:p14="http://schemas.microsoft.com/office/powerpoint/2010/main" val="3036698795"/>
+      </p:ext>
+    </p:extLst>
+  </p:cSld>
+  <p:clrMapOvr>
+    <a:masterClrMapping/>
+  </p:clrMapOvr>
+</p:sld>
+</file>
+
 <file path=ppt/slides/slide2.xml><?xml version="1.0" encoding="utf-8"?>
 <p:sld xmlns:a="http://schemas.openxmlformats.org/drawingml/2006/main" xmlns:r="http://schemas.openxmlformats.org/officeDocument/2006/relationships" xmlns:p="http://schemas.openxmlformats.org/presentationml/2006/main">
   <p:cSld>
@@ -4936,6 +5067,311 @@
       </p:par>
     </p:tnLst>
   </p:timing>
+</p:sld>
+</file>
+
+<file path=ppt/slides/slide20.xml><?xml version="1.0" encoding="utf-8"?>
+<p:sld xmlns:a="http://schemas.openxmlformats.org/drawingml/2006/main" xmlns:r="http://schemas.openxmlformats.org/officeDocument/2006/relationships" xmlns:p="http://schemas.openxmlformats.org/presentationml/2006/main">
+  <p:cSld>
+    <p:spTree>
+      <p:nvGrpSpPr>
+        <p:cNvPr id="1" name=""/>
+        <p:cNvGrpSpPr/>
+        <p:nvPr/>
+      </p:nvGrpSpPr>
+      <p:grpSpPr>
+        <a:xfrm>
+          <a:off x="0" y="0"/>
+          <a:ext cx="0" cy="0"/>
+          <a:chOff x="0" y="0"/>
+          <a:chExt cx="0" cy="0"/>
+        </a:xfrm>
+      </p:grpSpPr>
+      <p:pic>
+        <p:nvPicPr>
+          <p:cNvPr id="4" name="그림 3"/>
+          <p:cNvPicPr>
+            <a:picLocks noChangeAspect="1"/>
+          </p:cNvPicPr>
+          <p:nvPr/>
+        </p:nvPicPr>
+        <p:blipFill>
+          <a:blip r:embed="rId2"/>
+          <a:stretch>
+            <a:fillRect/>
+          </a:stretch>
+        </p:blipFill>
+        <p:spPr>
+          <a:xfrm>
+            <a:off x="922337" y="887413"/>
+            <a:ext cx="10415697" cy="4979988"/>
+          </a:xfrm>
+          <a:prstGeom prst="rect">
+            <a:avLst/>
+          </a:prstGeom>
+          <a:ln w="38100" cap="sq">
+            <a:solidFill>
+              <a:srgbClr val="000000"/>
+            </a:solidFill>
+            <a:prstDash val="solid"/>
+            <a:miter lim="800000"/>
+          </a:ln>
+          <a:effectLst>
+            <a:outerShdw blurRad="50800" dist="38100" dir="2700000" algn="tl" rotWithShape="0">
+              <a:srgbClr val="000000">
+                <a:alpha val="43000"/>
+              </a:srgbClr>
+            </a:outerShdw>
+          </a:effectLst>
+        </p:spPr>
+      </p:pic>
+    </p:spTree>
+    <p:extLst>
+      <p:ext uri="{BB962C8B-B14F-4D97-AF65-F5344CB8AC3E}">
+        <p14:creationId xmlns:p14="http://schemas.microsoft.com/office/powerpoint/2010/main" val="2078194983"/>
+      </p:ext>
+    </p:extLst>
+  </p:cSld>
+  <p:clrMapOvr>
+    <a:masterClrMapping/>
+  </p:clrMapOvr>
+</p:sld>
+</file>
+
+<file path=ppt/slides/slide21.xml><?xml version="1.0" encoding="utf-8"?>
+<p:sld xmlns:a="http://schemas.openxmlformats.org/drawingml/2006/main" xmlns:r="http://schemas.openxmlformats.org/officeDocument/2006/relationships" xmlns:p="http://schemas.openxmlformats.org/presentationml/2006/main">
+  <p:cSld>
+    <p:spTree>
+      <p:nvGrpSpPr>
+        <p:cNvPr id="1" name=""/>
+        <p:cNvGrpSpPr/>
+        <p:nvPr/>
+      </p:nvGrpSpPr>
+      <p:grpSpPr>
+        <a:xfrm>
+          <a:off x="0" y="0"/>
+          <a:ext cx="0" cy="0"/>
+          <a:chOff x="0" y="0"/>
+          <a:chExt cx="0" cy="0"/>
+        </a:xfrm>
+      </p:grpSpPr>
+      <p:sp>
+        <p:nvSpPr>
+          <p:cNvPr id="2" name="제목 1"/>
+          <p:cNvSpPr>
+            <a:spLocks noGrp="1"/>
+          </p:cNvSpPr>
+          <p:nvPr>
+            <p:ph type="title"/>
+          </p:nvPr>
+        </p:nvSpPr>
+        <p:spPr>
+          <a:xfrm>
+            <a:off x="915040" y="1331964"/>
+            <a:ext cx="10515600" cy="1325563"/>
+          </a:xfrm>
+        </p:spPr>
+        <p:txBody>
+          <a:bodyPr/>
+          <a:lstStyle/>
+          <a:p>
+            <a:pPr algn="ctr"/>
+            <a:r>
+              <a:rPr lang="ko-KR" altLang="en-US" dirty="0" smtClean="0"/>
+              <a:t>자바 스크립트 입문 </a:t>
+            </a:r>
+            <a:r>
+              <a:rPr lang="en-US" altLang="ko-KR" dirty="0" smtClean="0"/>
+              <a:t>1</a:t>
+            </a:r>
+            <a:r>
+              <a:rPr lang="ko-KR" altLang="en-US" dirty="0" smtClean="0"/>
+              <a:t>일차</a:t>
+            </a:r>
+            <a:endParaRPr lang="ko-KR" altLang="en-US" dirty="0"/>
+          </a:p>
+        </p:txBody>
+      </p:sp>
+      <p:pic>
+        <p:nvPicPr>
+          <p:cNvPr id="4" name="그림 3"/>
+          <p:cNvPicPr>
+            <a:picLocks noChangeAspect="1"/>
+          </p:cNvPicPr>
+          <p:nvPr/>
+        </p:nvPicPr>
+        <p:blipFill>
+          <a:blip r:embed="rId2"/>
+          <a:stretch>
+            <a:fillRect/>
+          </a:stretch>
+        </p:blipFill>
+        <p:spPr>
+          <a:xfrm>
+            <a:off x="419100" y="3925888"/>
+            <a:ext cx="11507481" cy="1918976"/>
+          </a:xfrm>
+          <a:prstGeom prst="rect">
+            <a:avLst/>
+          </a:prstGeom>
+          <a:ln w="38100" cap="sq">
+            <a:solidFill>
+              <a:srgbClr val="000000"/>
+            </a:solidFill>
+            <a:prstDash val="solid"/>
+            <a:miter lim="800000"/>
+          </a:ln>
+          <a:effectLst>
+            <a:outerShdw blurRad="50800" dist="38100" dir="2700000" algn="tl" rotWithShape="0">
+              <a:srgbClr val="000000">
+                <a:alpha val="43000"/>
+              </a:srgbClr>
+            </a:outerShdw>
+          </a:effectLst>
+        </p:spPr>
+      </p:pic>
+    </p:spTree>
+    <p:extLst>
+      <p:ext uri="{BB962C8B-B14F-4D97-AF65-F5344CB8AC3E}">
+        <p14:creationId xmlns:p14="http://schemas.microsoft.com/office/powerpoint/2010/main" val="1664938240"/>
+      </p:ext>
+    </p:extLst>
+  </p:cSld>
+  <p:clrMapOvr>
+    <a:masterClrMapping/>
+  </p:clrMapOvr>
+</p:sld>
+</file>
+
+<file path=ppt/slides/slide22.xml><?xml version="1.0" encoding="utf-8"?>
+<p:sld xmlns:a="http://schemas.openxmlformats.org/drawingml/2006/main" xmlns:r="http://schemas.openxmlformats.org/officeDocument/2006/relationships" xmlns:p="http://schemas.openxmlformats.org/presentationml/2006/main">
+  <p:cSld>
+    <p:spTree>
+      <p:nvGrpSpPr>
+        <p:cNvPr id="1" name=""/>
+        <p:cNvGrpSpPr/>
+        <p:nvPr/>
+      </p:nvGrpSpPr>
+      <p:grpSpPr>
+        <a:xfrm>
+          <a:off x="0" y="0"/>
+          <a:ext cx="0" cy="0"/>
+          <a:chOff x="0" y="0"/>
+          <a:chExt cx="0" cy="0"/>
+        </a:xfrm>
+      </p:grpSpPr>
+      <p:pic>
+        <p:nvPicPr>
+          <p:cNvPr id="4" name="그림 3"/>
+          <p:cNvPicPr>
+            <a:picLocks noChangeAspect="1"/>
+          </p:cNvPicPr>
+          <p:nvPr/>
+        </p:nvPicPr>
+        <p:blipFill>
+          <a:blip r:embed="rId2"/>
+          <a:stretch>
+            <a:fillRect/>
+          </a:stretch>
+        </p:blipFill>
+        <p:spPr>
+          <a:xfrm>
+            <a:off x="251679" y="484309"/>
+            <a:ext cx="11719927" cy="5981721"/>
+          </a:xfrm>
+          <a:prstGeom prst="rect">
+            <a:avLst/>
+          </a:prstGeom>
+        </p:spPr>
+      </p:pic>
+    </p:spTree>
+    <p:extLst>
+      <p:ext uri="{BB962C8B-B14F-4D97-AF65-F5344CB8AC3E}">
+        <p14:creationId xmlns:p14="http://schemas.microsoft.com/office/powerpoint/2010/main" val="1383246416"/>
+      </p:ext>
+    </p:extLst>
+  </p:cSld>
+  <p:clrMapOvr>
+    <a:masterClrMapping/>
+  </p:clrMapOvr>
+</p:sld>
+</file>
+
+<file path=ppt/slides/slide23.xml><?xml version="1.0" encoding="utf-8"?>
+<p:sld xmlns:a="http://schemas.openxmlformats.org/drawingml/2006/main" xmlns:r="http://schemas.openxmlformats.org/officeDocument/2006/relationships" xmlns:p="http://schemas.openxmlformats.org/presentationml/2006/main">
+  <p:cSld>
+    <p:spTree>
+      <p:nvGrpSpPr>
+        <p:cNvPr id="1" name=""/>
+        <p:cNvGrpSpPr/>
+        <p:nvPr/>
+      </p:nvGrpSpPr>
+      <p:grpSpPr>
+        <a:xfrm>
+          <a:off x="0" y="0"/>
+          <a:ext cx="0" cy="0"/>
+          <a:chOff x="0" y="0"/>
+          <a:chExt cx="0" cy="0"/>
+        </a:xfrm>
+      </p:grpSpPr>
+      <p:pic>
+        <p:nvPicPr>
+          <p:cNvPr id="4" name="그림 3"/>
+          <p:cNvPicPr>
+            <a:picLocks noChangeAspect="1"/>
+          </p:cNvPicPr>
+          <p:nvPr/>
+        </p:nvPicPr>
+        <p:blipFill>
+          <a:blip r:embed="rId2"/>
+          <a:stretch>
+            <a:fillRect/>
+          </a:stretch>
+        </p:blipFill>
+        <p:spPr>
+          <a:xfrm>
+            <a:off x="520285" y="362976"/>
+            <a:ext cx="3419623" cy="5883079"/>
+          </a:xfrm>
+          <a:prstGeom prst="rect">
+            <a:avLst/>
+          </a:prstGeom>
+        </p:spPr>
+      </p:pic>
+      <p:pic>
+        <p:nvPicPr>
+          <p:cNvPr id="5" name="그림 4"/>
+          <p:cNvPicPr>
+            <a:picLocks noChangeAspect="1"/>
+          </p:cNvPicPr>
+          <p:nvPr/>
+        </p:nvPicPr>
+        <p:blipFill>
+          <a:blip r:embed="rId3"/>
+          <a:stretch>
+            <a:fillRect/>
+          </a:stretch>
+        </p:blipFill>
+        <p:spPr>
+          <a:xfrm>
+            <a:off x="4206385" y="418095"/>
+            <a:ext cx="7652679" cy="5772840"/>
+          </a:xfrm>
+          <a:prstGeom prst="rect">
+            <a:avLst/>
+          </a:prstGeom>
+        </p:spPr>
+      </p:pic>
+    </p:spTree>
+    <p:extLst>
+      <p:ext uri="{BB962C8B-B14F-4D97-AF65-F5344CB8AC3E}">
+        <p14:creationId xmlns:p14="http://schemas.microsoft.com/office/powerpoint/2010/main" val="2623938046"/>
+      </p:ext>
+    </p:extLst>
+  </p:cSld>
+  <p:clrMapOvr>
+    <a:masterClrMapping/>
+  </p:clrMapOvr>
 </p:sld>
 </file>
 
